--- a/PP SE.pptx
+++ b/PP SE.pptx
@@ -2,13 +2,15 @@
 <file path=ppt/presentation.xml><?xml version="1.0" encoding="utf-8"?>
 <p:presentation xmlns:a="http://schemas.openxmlformats.org/drawingml/2006/main" xmlns:r="http://schemas.openxmlformats.org/officeDocument/2006/relationships" xmlns:p="http://schemas.openxmlformats.org/presentationml/2006/main" saveSubsetFonts="1">
   <p:sldMasterIdLst>
-    <p:sldMasterId id="2147483648" r:id="rId1"/>
+    <p:sldMasterId id="2147483672" r:id="rId1"/>
   </p:sldMasterIdLst>
   <p:sldIdLst>
     <p:sldId id="256" r:id="rId2"/>
     <p:sldId id="257" r:id="rId3"/>
     <p:sldId id="258" r:id="rId4"/>
     <p:sldId id="259" r:id="rId5"/>
+    <p:sldId id="261" r:id="rId6"/>
+    <p:sldId id="260" r:id="rId7"/>
   </p:sldIdLst>
   <p:sldSz cx="12192000" cy="6858000"/>
   <p:notesSz cx="6858000" cy="9144000"/>
@@ -16,7 +18,7 @@
     <a:defPPr>
       <a:defRPr lang="en-US"/>
     </a:defPPr>
-    <a:lvl1pPr marL="0" algn="l" defTabSz="914400" rtl="0" eaLnBrk="1" latinLnBrk="0" hangingPunct="1">
+    <a:lvl1pPr marL="0" algn="l" defTabSz="457200" rtl="0" eaLnBrk="1" latinLnBrk="0" hangingPunct="1">
       <a:defRPr sz="1800" kern="1200">
         <a:solidFill>
           <a:schemeClr val="tx1"/>
@@ -26,7 +28,7 @@
         <a:cs typeface="+mn-cs"/>
       </a:defRPr>
     </a:lvl1pPr>
-    <a:lvl2pPr marL="457200" algn="l" defTabSz="914400" rtl="0" eaLnBrk="1" latinLnBrk="0" hangingPunct="1">
+    <a:lvl2pPr marL="457200" algn="l" defTabSz="457200" rtl="0" eaLnBrk="1" latinLnBrk="0" hangingPunct="1">
       <a:defRPr sz="1800" kern="1200">
         <a:solidFill>
           <a:schemeClr val="tx1"/>
@@ -36,7 +38,7 @@
         <a:cs typeface="+mn-cs"/>
       </a:defRPr>
     </a:lvl2pPr>
-    <a:lvl3pPr marL="914400" algn="l" defTabSz="914400" rtl="0" eaLnBrk="1" latinLnBrk="0" hangingPunct="1">
+    <a:lvl3pPr marL="914400" algn="l" defTabSz="457200" rtl="0" eaLnBrk="1" latinLnBrk="0" hangingPunct="1">
       <a:defRPr sz="1800" kern="1200">
         <a:solidFill>
           <a:schemeClr val="tx1"/>
@@ -46,7 +48,7 @@
         <a:cs typeface="+mn-cs"/>
       </a:defRPr>
     </a:lvl3pPr>
-    <a:lvl4pPr marL="1371600" algn="l" defTabSz="914400" rtl="0" eaLnBrk="1" latinLnBrk="0" hangingPunct="1">
+    <a:lvl4pPr marL="1371600" algn="l" defTabSz="457200" rtl="0" eaLnBrk="1" latinLnBrk="0" hangingPunct="1">
       <a:defRPr sz="1800" kern="1200">
         <a:solidFill>
           <a:schemeClr val="tx1"/>
@@ -56,7 +58,7 @@
         <a:cs typeface="+mn-cs"/>
       </a:defRPr>
     </a:lvl4pPr>
-    <a:lvl5pPr marL="1828800" algn="l" defTabSz="914400" rtl="0" eaLnBrk="1" latinLnBrk="0" hangingPunct="1">
+    <a:lvl5pPr marL="1828800" algn="l" defTabSz="457200" rtl="0" eaLnBrk="1" latinLnBrk="0" hangingPunct="1">
       <a:defRPr sz="1800" kern="1200">
         <a:solidFill>
           <a:schemeClr val="tx1"/>
@@ -66,7 +68,7 @@
         <a:cs typeface="+mn-cs"/>
       </a:defRPr>
     </a:lvl5pPr>
-    <a:lvl6pPr marL="2286000" algn="l" defTabSz="914400" rtl="0" eaLnBrk="1" latinLnBrk="0" hangingPunct="1">
+    <a:lvl6pPr marL="2286000" algn="l" defTabSz="457200" rtl="0" eaLnBrk="1" latinLnBrk="0" hangingPunct="1">
       <a:defRPr sz="1800" kern="1200">
         <a:solidFill>
           <a:schemeClr val="tx1"/>
@@ -76,7 +78,7 @@
         <a:cs typeface="+mn-cs"/>
       </a:defRPr>
     </a:lvl6pPr>
-    <a:lvl7pPr marL="2743200" algn="l" defTabSz="914400" rtl="0" eaLnBrk="1" latinLnBrk="0" hangingPunct="1">
+    <a:lvl7pPr marL="2743200" algn="l" defTabSz="457200" rtl="0" eaLnBrk="1" latinLnBrk="0" hangingPunct="1">
       <a:defRPr sz="1800" kern="1200">
         <a:solidFill>
           <a:schemeClr val="tx1"/>
@@ -86,7 +88,7 @@
         <a:cs typeface="+mn-cs"/>
       </a:defRPr>
     </a:lvl7pPr>
-    <a:lvl8pPr marL="3200400" algn="l" defTabSz="914400" rtl="0" eaLnBrk="1" latinLnBrk="0" hangingPunct="1">
+    <a:lvl8pPr marL="3200400" algn="l" defTabSz="457200" rtl="0" eaLnBrk="1" latinLnBrk="0" hangingPunct="1">
       <a:defRPr sz="1800" kern="1200">
         <a:solidFill>
           <a:schemeClr val="tx1"/>
@@ -96,7 +98,7 @@
         <a:cs typeface="+mn-cs"/>
       </a:defRPr>
     </a:lvl8pPr>
-    <a:lvl9pPr marL="3657600" algn="l" defTabSz="914400" rtl="0" eaLnBrk="1" latinLnBrk="0" hangingPunct="1">
+    <a:lvl9pPr marL="3657600" algn="l" defTabSz="457200" rtl="0" eaLnBrk="1" latinLnBrk="0" hangingPunct="1">
       <a:defRPr sz="1800" kern="1200">
         <a:solidFill>
           <a:schemeClr val="tx1"/>
@@ -107,6 +109,11 @@
       </a:defRPr>
     </a:lvl9pPr>
   </p:defaultTextStyle>
+  <p:extLst>
+    <p:ext uri="{EFAFB233-063F-42B5-8137-9DF3F51BA10A}">
+      <p15:sldGuideLst xmlns:p15="http://schemas.microsoft.com/office/powerpoint/2012/main"/>
+    </p:ext>
+  </p:extLst>
 </p:presentation>
 </file>
 
@@ -115,7 +122,7 @@
 </file>
 
 <file path=ppt/slideLayouts/slideLayout1.xml><?xml version="1.0" encoding="utf-8"?>
-<p:sldLayout xmlns:a="http://schemas.openxmlformats.org/drawingml/2006/main" xmlns:r="http://schemas.openxmlformats.org/officeDocument/2006/relationships" xmlns:p="http://schemas.openxmlformats.org/presentationml/2006/main" type="title" preserve="1">
+<p:sldLayout xmlns:a="http://schemas.openxmlformats.org/drawingml/2006/main" xmlns:r="http://schemas.openxmlformats.org/officeDocument/2006/relationships" xmlns:p="http://schemas.openxmlformats.org/presentationml/2006/main" showMasterSp="0" type="title" preserve="1">
   <p:cSld name="Title Slide">
     <p:spTree>
       <p:nvGrpSpPr>
@@ -133,31 +140,113 @@
       </p:grpSpPr>
       <p:sp>
         <p:nvSpPr>
-          <p:cNvPr id="2" name="Title 1">
-            <a:extLst>
-              <a:ext uri="{FF2B5EF4-FFF2-40B4-BE49-F238E27FC236}">
-                <a16:creationId xmlns:a16="http://schemas.microsoft.com/office/drawing/2014/main" id="{30DF0133-6795-4E57-AC2D-5FF2AC4AB2C4}"/>
-              </a:ext>
-            </a:extLst>
-          </p:cNvPr>
-          <p:cNvSpPr>
-            <a:spLocks noGrp="1"/>
-          </p:cNvSpPr>
-          <p:nvPr>
-            <p:ph type="ctrTitle"/>
-          </p:nvPr>
+          <p:cNvPr id="7" name="Rectangle 6"/>
+          <p:cNvSpPr/>
+          <p:nvPr/>
         </p:nvSpPr>
         <p:spPr>
           <a:xfrm>
-            <a:off x="1524000" y="1122363"/>
-            <a:ext cx="9144000" cy="2387600"/>
+            <a:off x="1" y="6400800"/>
+            <a:ext cx="12192000" cy="457200"/>
+          </a:xfrm>
+          <a:prstGeom prst="rect">
+            <a:avLst/>
+          </a:prstGeom>
+          <a:solidFill>
+            <a:schemeClr val="accent2"/>
+          </a:solidFill>
+          <a:ln>
+            <a:noFill/>
+          </a:ln>
+        </p:spPr>
+        <p:style>
+          <a:lnRef idx="2">
+            <a:schemeClr val="accent1">
+              <a:shade val="50000"/>
+            </a:schemeClr>
+          </a:lnRef>
+          <a:fillRef idx="1">
+            <a:schemeClr val="accent1"/>
+          </a:fillRef>
+          <a:effectRef idx="0">
+            <a:schemeClr val="accent1"/>
+          </a:effectRef>
+          <a:fontRef idx="minor">
+            <a:schemeClr val="lt1"/>
+          </a:fontRef>
+        </p:style>
+      </p:sp>
+      <p:sp>
+        <p:nvSpPr>
+          <p:cNvPr id="8" name="Rectangle 7"/>
+          <p:cNvSpPr/>
+          <p:nvPr/>
+        </p:nvSpPr>
+        <p:spPr>
+          <a:xfrm>
+            <a:off x="1" y="6334316"/>
+            <a:ext cx="12192000" cy="66484"/>
+          </a:xfrm>
+          <a:prstGeom prst="rect">
+            <a:avLst/>
+          </a:prstGeom>
+          <a:solidFill>
+            <a:schemeClr val="accent1"/>
+          </a:solidFill>
+          <a:ln>
+            <a:noFill/>
+          </a:ln>
+        </p:spPr>
+        <p:style>
+          <a:lnRef idx="2">
+            <a:schemeClr val="accent1">
+              <a:shade val="50000"/>
+            </a:schemeClr>
+          </a:lnRef>
+          <a:fillRef idx="1">
+            <a:schemeClr val="accent1"/>
+          </a:fillRef>
+          <a:effectRef idx="0">
+            <a:schemeClr val="accent1"/>
+          </a:effectRef>
+          <a:fontRef idx="minor">
+            <a:schemeClr val="lt1"/>
+          </a:fontRef>
+        </p:style>
+      </p:sp>
+      <p:sp>
+        <p:nvSpPr>
+          <p:cNvPr id="2" name="Title 1"/>
+          <p:cNvSpPr>
+            <a:spLocks noGrp="1"/>
+          </p:cNvSpPr>
+          <p:nvPr>
+            <p:ph type="ctrTitle"/>
+          </p:nvPr>
+        </p:nvSpPr>
+        <p:spPr>
+          <a:xfrm>
+            <a:off x="1097280" y="758952"/>
+            <a:ext cx="10058400" cy="3566160"/>
           </a:xfrm>
         </p:spPr>
         <p:txBody>
-          <a:bodyPr anchor="b"/>
+          <a:bodyPr anchor="b">
+            <a:normAutofit/>
+          </a:bodyPr>
           <a:lstStyle>
-            <a:lvl1pPr algn="ctr">
-              <a:defRPr sz="6000"/>
+            <a:lvl1pPr algn="l">
+              <a:lnSpc>
+                <a:spcPct val="85000"/>
+              </a:lnSpc>
+              <a:defRPr sz="8000" spc="-50" baseline="0">
+                <a:solidFill>
+                  <a:schemeClr val="tx1">
+                    <a:lumMod val="85000"/>
+                    <a:lumOff val="15000"/>
+                  </a:schemeClr>
+                </a:solidFill>
+              </a:defRPr>
             </a:lvl1pPr>
           </a:lstStyle>
           <a:p>
@@ -165,18 +254,13 @@
               <a:rPr lang="en-US"/>
               <a:t>Click to edit Master title style</a:t>
             </a:r>
-          </a:p>
-        </p:txBody>
-      </p:sp>
-      <p:sp>
-        <p:nvSpPr>
-          <p:cNvPr id="3" name="Subtitle 2">
-            <a:extLst>
-              <a:ext uri="{FF2B5EF4-FFF2-40B4-BE49-F238E27FC236}">
-                <a16:creationId xmlns:a16="http://schemas.microsoft.com/office/drawing/2014/main" id="{763A21B6-06DE-426D-B13C-185BCE9EFEFC}"/>
-              </a:ext>
-            </a:extLst>
-          </p:cNvPr>
+            <a:endParaRPr lang="en-US" dirty="0"/>
+          </a:p>
+        </p:txBody>
+      </p:sp>
+      <p:sp>
+        <p:nvSpPr>
+          <p:cNvPr id="3" name="Subtitle 2"/>
           <p:cNvSpPr>
             <a:spLocks noGrp="1"/>
           </p:cNvSpPr>
@@ -186,48 +270,55 @@
         </p:nvSpPr>
         <p:spPr>
           <a:xfrm>
-            <a:off x="1524000" y="3602038"/>
-            <a:ext cx="9144000" cy="1655762"/>
+            <a:off x="1100051" y="4455621"/>
+            <a:ext cx="10058400" cy="1143000"/>
           </a:xfrm>
         </p:spPr>
         <p:txBody>
-          <a:bodyPr/>
+          <a:bodyPr lIns="91440" rIns="91440">
+            <a:normAutofit/>
+          </a:bodyPr>
           <a:lstStyle>
-            <a:lvl1pPr marL="0" indent="0" algn="ctr">
-              <a:buNone/>
-              <a:defRPr sz="2400"/>
+            <a:lvl1pPr marL="0" indent="0" algn="l">
+              <a:buNone/>
+              <a:defRPr sz="2400" cap="all" spc="200" baseline="0">
+                <a:solidFill>
+                  <a:schemeClr val="tx2"/>
+                </a:solidFill>
+                <a:latin typeface="+mj-lt"/>
+              </a:defRPr>
             </a:lvl1pPr>
             <a:lvl2pPr marL="457200" indent="0" algn="ctr">
               <a:buNone/>
-              <a:defRPr sz="2000"/>
+              <a:defRPr sz="2400"/>
             </a:lvl2pPr>
             <a:lvl3pPr marL="914400" indent="0" algn="ctr">
               <a:buNone/>
-              <a:defRPr sz="1800"/>
+              <a:defRPr sz="2400"/>
             </a:lvl3pPr>
             <a:lvl4pPr marL="1371600" indent="0" algn="ctr">
               <a:buNone/>
-              <a:defRPr sz="1600"/>
+              <a:defRPr sz="2000"/>
             </a:lvl4pPr>
             <a:lvl5pPr marL="1828800" indent="0" algn="ctr">
               <a:buNone/>
-              <a:defRPr sz="1600"/>
+              <a:defRPr sz="2000"/>
             </a:lvl5pPr>
             <a:lvl6pPr marL="2286000" indent="0" algn="ctr">
               <a:buNone/>
-              <a:defRPr sz="1600"/>
+              <a:defRPr sz="2000"/>
             </a:lvl6pPr>
             <a:lvl7pPr marL="2743200" indent="0" algn="ctr">
               <a:buNone/>
-              <a:defRPr sz="1600"/>
+              <a:defRPr sz="2000"/>
             </a:lvl7pPr>
             <a:lvl8pPr marL="3200400" indent="0" algn="ctr">
               <a:buNone/>
-              <a:defRPr sz="1600"/>
+              <a:defRPr sz="2000"/>
             </a:lvl8pPr>
             <a:lvl9pPr marL="3657600" indent="0" algn="ctr">
               <a:buNone/>
-              <a:defRPr sz="1600"/>
+              <a:defRPr sz="2000"/>
             </a:lvl9pPr>
           </a:lstStyle>
           <a:p>
@@ -235,18 +326,13 @@
               <a:rPr lang="en-US"/>
               <a:t>Click to edit Master subtitle style</a:t>
             </a:r>
-          </a:p>
-        </p:txBody>
-      </p:sp>
-      <p:sp>
-        <p:nvSpPr>
-          <p:cNvPr id="4" name="Date Placeholder 3">
-            <a:extLst>
-              <a:ext uri="{FF2B5EF4-FFF2-40B4-BE49-F238E27FC236}">
-                <a16:creationId xmlns:a16="http://schemas.microsoft.com/office/drawing/2014/main" id="{5A7886C3-8862-45D0-BDFB-665822303B47}"/>
-              </a:ext>
-            </a:extLst>
-          </p:cNvPr>
+            <a:endParaRPr lang="en-US" dirty="0"/>
+          </a:p>
+        </p:txBody>
+      </p:sp>
+      <p:sp>
+        <p:nvSpPr>
+          <p:cNvPr id="4" name="Date Placeholder 3"/>
           <p:cNvSpPr>
             <a:spLocks noGrp="1"/>
           </p:cNvSpPr>
@@ -269,13 +355,7 @@
       </p:sp>
       <p:sp>
         <p:nvSpPr>
-          <p:cNvPr id="5" name="Footer Placeholder 4">
-            <a:extLst>
-              <a:ext uri="{FF2B5EF4-FFF2-40B4-BE49-F238E27FC236}">
-                <a16:creationId xmlns:a16="http://schemas.microsoft.com/office/drawing/2014/main" id="{A043E8DD-FB42-407A-AA48-157AEC9CCD71}"/>
-              </a:ext>
-            </a:extLst>
-          </p:cNvPr>
+          <p:cNvPr id="5" name="Footer Placeholder 4"/>
           <p:cNvSpPr>
             <a:spLocks noGrp="1"/>
           </p:cNvSpPr>
@@ -294,13 +374,7 @@
       </p:sp>
       <p:sp>
         <p:nvSpPr>
-          <p:cNvPr id="6" name="Slide Number Placeholder 5">
-            <a:extLst>
-              <a:ext uri="{FF2B5EF4-FFF2-40B4-BE49-F238E27FC236}">
-                <a16:creationId xmlns:a16="http://schemas.microsoft.com/office/drawing/2014/main" id="{7E124F82-8D4F-46C1-B301-10C766F2E0E0}"/>
-              </a:ext>
-            </a:extLst>
-          </p:cNvPr>
+          <p:cNvPr id="6" name="Slide Number Placeholder 5"/>
           <p:cNvSpPr>
             <a:spLocks noGrp="1"/>
           </p:cNvSpPr>
@@ -321,10 +395,48 @@
           </a:p>
         </p:txBody>
       </p:sp>
+      <p:cxnSp>
+        <p:nvCxnSpPr>
+          <p:cNvPr id="9" name="Straight Connector 8"/>
+          <p:cNvCxnSpPr/>
+          <p:nvPr/>
+        </p:nvCxnSpPr>
+        <p:spPr>
+          <a:xfrm>
+            <a:off x="1207658" y="4343400"/>
+            <a:ext cx="9875520" cy="0"/>
+          </a:xfrm>
+          <a:prstGeom prst="line">
+            <a:avLst/>
+          </a:prstGeom>
+          <a:ln w="6350">
+            <a:solidFill>
+              <a:schemeClr val="tx1">
+                <a:lumMod val="50000"/>
+                <a:lumOff val="50000"/>
+              </a:schemeClr>
+            </a:solidFill>
+          </a:ln>
+        </p:spPr>
+        <p:style>
+          <a:lnRef idx="1">
+            <a:schemeClr val="accent1"/>
+          </a:lnRef>
+          <a:fillRef idx="0">
+            <a:schemeClr val="accent1"/>
+          </a:fillRef>
+          <a:effectRef idx="0">
+            <a:schemeClr val="accent1"/>
+          </a:effectRef>
+          <a:fontRef idx="minor">
+            <a:schemeClr val="tx1"/>
+          </a:fontRef>
+        </p:style>
+      </p:cxnSp>
     </p:spTree>
     <p:extLst>
       <p:ext uri="{BB962C8B-B14F-4D97-AF65-F5344CB8AC3E}">
-        <p14:creationId xmlns:p14="http://schemas.microsoft.com/office/powerpoint/2010/main" val="1136636085"/>
+        <p14:creationId xmlns:p14="http://schemas.microsoft.com/office/powerpoint/2010/main" val="154770455"/>
       </p:ext>
     </p:extLst>
   </p:cSld>
@@ -353,13 +465,7 @@
       </p:grpSpPr>
       <p:sp>
         <p:nvSpPr>
-          <p:cNvPr id="2" name="Title 1">
-            <a:extLst>
-              <a:ext uri="{FF2B5EF4-FFF2-40B4-BE49-F238E27FC236}">
-                <a16:creationId xmlns:a16="http://schemas.microsoft.com/office/drawing/2014/main" id="{13338FB4-3347-4C3D-80F7-E05771C4A64D}"/>
-              </a:ext>
-            </a:extLst>
-          </p:cNvPr>
+          <p:cNvPr id="2" name="Title 1"/>
           <p:cNvSpPr>
             <a:spLocks noGrp="1"/>
           </p:cNvSpPr>
@@ -376,18 +482,13 @@
               <a:rPr lang="en-US"/>
               <a:t>Click to edit Master title style</a:t>
             </a:r>
-          </a:p>
-        </p:txBody>
-      </p:sp>
-      <p:sp>
-        <p:nvSpPr>
-          <p:cNvPr id="3" name="Vertical Text Placeholder 2">
-            <a:extLst>
-              <a:ext uri="{FF2B5EF4-FFF2-40B4-BE49-F238E27FC236}">
-                <a16:creationId xmlns:a16="http://schemas.microsoft.com/office/drawing/2014/main" id="{91BA8101-E4FB-457D-A8D6-9D6E4F8AC465}"/>
-              </a:ext>
-            </a:extLst>
-          </p:cNvPr>
+            <a:endParaRPr lang="en-US" dirty="0"/>
+          </a:p>
+        </p:txBody>
+      </p:sp>
+      <p:sp>
+        <p:nvSpPr>
+          <p:cNvPr id="3" name="Vertical Text Placeholder 2"/>
           <p:cNvSpPr>
             <a:spLocks noGrp="1"/>
           </p:cNvSpPr>
@@ -397,7 +498,7 @@
         </p:nvSpPr>
         <p:spPr/>
         <p:txBody>
-          <a:bodyPr vert="eaVert"/>
+          <a:bodyPr vert="eaVert" lIns="45720" tIns="0" rIns="45720" bIns="0"/>
           <a:lstStyle/>
           <a:p>
             <a:pPr lvl="0"/>
@@ -433,18 +534,13 @@
               <a:rPr lang="en-US"/>
               <a:t>Fifth level</a:t>
             </a:r>
-          </a:p>
-        </p:txBody>
-      </p:sp>
-      <p:sp>
-        <p:nvSpPr>
-          <p:cNvPr id="4" name="Date Placeholder 3">
-            <a:extLst>
-              <a:ext uri="{FF2B5EF4-FFF2-40B4-BE49-F238E27FC236}">
-                <a16:creationId xmlns:a16="http://schemas.microsoft.com/office/drawing/2014/main" id="{C38DDBB7-A2B4-4A06-9070-2BC01B203E26}"/>
-              </a:ext>
-            </a:extLst>
-          </p:cNvPr>
+            <a:endParaRPr lang="en-US" dirty="0"/>
+          </a:p>
+        </p:txBody>
+      </p:sp>
+      <p:sp>
+        <p:nvSpPr>
+          <p:cNvPr id="4" name="Date Placeholder 3"/>
           <p:cNvSpPr>
             <a:spLocks noGrp="1"/>
           </p:cNvSpPr>
@@ -467,13 +563,7 @@
       </p:sp>
       <p:sp>
         <p:nvSpPr>
-          <p:cNvPr id="5" name="Footer Placeholder 4">
-            <a:extLst>
-              <a:ext uri="{FF2B5EF4-FFF2-40B4-BE49-F238E27FC236}">
-                <a16:creationId xmlns:a16="http://schemas.microsoft.com/office/drawing/2014/main" id="{613866E1-F4CE-44BF-A708-A0322C18EBEA}"/>
-              </a:ext>
-            </a:extLst>
-          </p:cNvPr>
+          <p:cNvPr id="5" name="Footer Placeholder 4"/>
           <p:cNvSpPr>
             <a:spLocks noGrp="1"/>
           </p:cNvSpPr>
@@ -492,13 +582,7 @@
       </p:sp>
       <p:sp>
         <p:nvSpPr>
-          <p:cNvPr id="6" name="Slide Number Placeholder 5">
-            <a:extLst>
-              <a:ext uri="{FF2B5EF4-FFF2-40B4-BE49-F238E27FC236}">
-                <a16:creationId xmlns:a16="http://schemas.microsoft.com/office/drawing/2014/main" id="{53FD4FF0-A4BA-4943-B9F8-FFA5E40F571D}"/>
-              </a:ext>
-            </a:extLst>
-          </p:cNvPr>
+          <p:cNvPr id="6" name="Slide Number Placeholder 5"/>
           <p:cNvSpPr>
             <a:spLocks noGrp="1"/>
           </p:cNvSpPr>
@@ -522,7 +606,7 @@
     </p:spTree>
     <p:extLst>
       <p:ext uri="{BB962C8B-B14F-4D97-AF65-F5344CB8AC3E}">
-        <p14:creationId xmlns:p14="http://schemas.microsoft.com/office/powerpoint/2010/main" val="1462998744"/>
+        <p14:creationId xmlns:p14="http://schemas.microsoft.com/office/powerpoint/2010/main" val="3713582620"/>
       </p:ext>
     </p:extLst>
   </p:cSld>
@@ -533,7 +617,7 @@
 </file>
 
 <file path=ppt/slideLayouts/slideLayout11.xml><?xml version="1.0" encoding="utf-8"?>
-<p:sldLayout xmlns:a="http://schemas.openxmlformats.org/drawingml/2006/main" xmlns:r="http://schemas.openxmlformats.org/officeDocument/2006/relationships" xmlns:p="http://schemas.openxmlformats.org/presentationml/2006/main" type="vertTitleAndTx" preserve="1">
+<p:sldLayout xmlns:a="http://schemas.openxmlformats.org/drawingml/2006/main" xmlns:r="http://schemas.openxmlformats.org/officeDocument/2006/relationships" xmlns:p="http://schemas.openxmlformats.org/presentationml/2006/main" showMasterSp="0" type="vertTitleAndTx" preserve="1">
   <p:cSld name="Vertical Title and Text">
     <p:spTree>
       <p:nvGrpSpPr>
@@ -551,24 +635,94 @@
       </p:grpSpPr>
       <p:sp>
         <p:nvSpPr>
-          <p:cNvPr id="2" name="Vertical Title 1">
-            <a:extLst>
-              <a:ext uri="{FF2B5EF4-FFF2-40B4-BE49-F238E27FC236}">
-                <a16:creationId xmlns:a16="http://schemas.microsoft.com/office/drawing/2014/main" id="{7E625EE2-40A0-4D2A-B1CB-01182C637E95}"/>
-              </a:ext>
-            </a:extLst>
-          </p:cNvPr>
-          <p:cNvSpPr>
-            <a:spLocks noGrp="1"/>
-          </p:cNvSpPr>
-          <p:nvPr>
-            <p:ph type="title" orient="vert"/>
-          </p:nvPr>
+          <p:cNvPr id="7" name="Rectangle 6"/>
+          <p:cNvSpPr/>
+          <p:nvPr/>
         </p:nvSpPr>
         <p:spPr>
           <a:xfrm>
-            <a:off x="8724900" y="365125"/>
-            <a:ext cx="2628900" cy="5811838"/>
+            <a:off x="3175" y="6400800"/>
+            <a:ext cx="12188825" cy="457200"/>
+          </a:xfrm>
+          <a:prstGeom prst="rect">
+            <a:avLst/>
+          </a:prstGeom>
+          <a:solidFill>
+            <a:schemeClr val="accent2"/>
+          </a:solidFill>
+          <a:ln>
+            <a:noFill/>
+          </a:ln>
+        </p:spPr>
+        <p:style>
+          <a:lnRef idx="2">
+            <a:schemeClr val="accent1">
+              <a:shade val="50000"/>
+            </a:schemeClr>
+          </a:lnRef>
+          <a:fillRef idx="1">
+            <a:schemeClr val="accent1"/>
+          </a:fillRef>
+          <a:effectRef idx="0">
+            <a:schemeClr val="accent1"/>
+          </a:effectRef>
+          <a:fontRef idx="minor">
+            <a:schemeClr val="lt1"/>
+          </a:fontRef>
+        </p:style>
+      </p:sp>
+      <p:sp>
+        <p:nvSpPr>
+          <p:cNvPr id="8" name="Rectangle 7"/>
+          <p:cNvSpPr/>
+          <p:nvPr/>
+        </p:nvSpPr>
+        <p:spPr>
+          <a:xfrm>
+            <a:off x="15" y="6334316"/>
+            <a:ext cx="12188825" cy="64008"/>
+          </a:xfrm>
+          <a:prstGeom prst="rect">
+            <a:avLst/>
+          </a:prstGeom>
+          <a:solidFill>
+            <a:schemeClr val="accent1"/>
+          </a:solidFill>
+          <a:ln>
+            <a:noFill/>
+          </a:ln>
+        </p:spPr>
+        <p:style>
+          <a:lnRef idx="2">
+            <a:schemeClr val="accent1">
+              <a:shade val="50000"/>
+            </a:schemeClr>
+          </a:lnRef>
+          <a:fillRef idx="1">
+            <a:schemeClr val="accent1"/>
+          </a:fillRef>
+          <a:effectRef idx="0">
+            <a:schemeClr val="accent1"/>
+          </a:effectRef>
+          <a:fontRef idx="minor">
+            <a:schemeClr val="lt1"/>
+          </a:fontRef>
+        </p:style>
+      </p:sp>
+      <p:sp>
+        <p:nvSpPr>
+          <p:cNvPr id="2" name="Vertical Title 1"/>
+          <p:cNvSpPr>
+            <a:spLocks noGrp="1"/>
+          </p:cNvSpPr>
+          <p:nvPr>
+            <p:ph type="title" orient="vert"/>
+          </p:nvPr>
+        </p:nvSpPr>
+        <p:spPr>
+          <a:xfrm>
+            <a:off x="8724900" y="412302"/>
+            <a:ext cx="2628900" cy="5759898"/>
           </a:xfrm>
         </p:spPr>
         <p:txBody>
@@ -579,18 +733,13 @@
               <a:rPr lang="en-US"/>
               <a:t>Click to edit Master title style</a:t>
             </a:r>
-          </a:p>
-        </p:txBody>
-      </p:sp>
-      <p:sp>
-        <p:nvSpPr>
-          <p:cNvPr id="3" name="Vertical Text Placeholder 2">
-            <a:extLst>
-              <a:ext uri="{FF2B5EF4-FFF2-40B4-BE49-F238E27FC236}">
-                <a16:creationId xmlns:a16="http://schemas.microsoft.com/office/drawing/2014/main" id="{C67CF062-11D0-41F4-89AE-591C835E4A5C}"/>
-              </a:ext>
-            </a:extLst>
-          </p:cNvPr>
+            <a:endParaRPr lang="en-US" dirty="0"/>
+          </a:p>
+        </p:txBody>
+      </p:sp>
+      <p:sp>
+        <p:nvSpPr>
+          <p:cNvPr id="3" name="Vertical Text Placeholder 2"/>
           <p:cNvSpPr>
             <a:spLocks noGrp="1"/>
           </p:cNvSpPr>
@@ -600,12 +749,12 @@
         </p:nvSpPr>
         <p:spPr>
           <a:xfrm>
-            <a:off x="838200" y="365125"/>
-            <a:ext cx="7734300" cy="5811838"/>
+            <a:off x="838200" y="412302"/>
+            <a:ext cx="7734300" cy="5759898"/>
           </a:xfrm>
         </p:spPr>
         <p:txBody>
-          <a:bodyPr vert="eaVert"/>
+          <a:bodyPr vert="eaVert" lIns="45720" tIns="0" rIns="45720" bIns="0"/>
           <a:lstStyle/>
           <a:p>
             <a:pPr lvl="0"/>
@@ -641,18 +790,13 @@
               <a:rPr lang="en-US"/>
               <a:t>Fifth level</a:t>
             </a:r>
-          </a:p>
-        </p:txBody>
-      </p:sp>
-      <p:sp>
-        <p:nvSpPr>
-          <p:cNvPr id="4" name="Date Placeholder 3">
-            <a:extLst>
-              <a:ext uri="{FF2B5EF4-FFF2-40B4-BE49-F238E27FC236}">
-                <a16:creationId xmlns:a16="http://schemas.microsoft.com/office/drawing/2014/main" id="{9ACC4FAB-5703-477C-9FCD-60F8A8437A56}"/>
-              </a:ext>
-            </a:extLst>
-          </p:cNvPr>
+            <a:endParaRPr lang="en-US" dirty="0"/>
+          </a:p>
+        </p:txBody>
+      </p:sp>
+      <p:sp>
+        <p:nvSpPr>
+          <p:cNvPr id="4" name="Date Placeholder 3"/>
           <p:cNvSpPr>
             <a:spLocks noGrp="1"/>
           </p:cNvSpPr>
@@ -675,13 +819,7 @@
       </p:sp>
       <p:sp>
         <p:nvSpPr>
-          <p:cNvPr id="5" name="Footer Placeholder 4">
-            <a:extLst>
-              <a:ext uri="{FF2B5EF4-FFF2-40B4-BE49-F238E27FC236}">
-                <a16:creationId xmlns:a16="http://schemas.microsoft.com/office/drawing/2014/main" id="{5DC92605-444C-4F96-9E24-80219187E492}"/>
-              </a:ext>
-            </a:extLst>
-          </p:cNvPr>
+          <p:cNvPr id="5" name="Footer Placeholder 4"/>
           <p:cNvSpPr>
             <a:spLocks noGrp="1"/>
           </p:cNvSpPr>
@@ -700,13 +838,7 @@
       </p:sp>
       <p:sp>
         <p:nvSpPr>
-          <p:cNvPr id="6" name="Slide Number Placeholder 5">
-            <a:extLst>
-              <a:ext uri="{FF2B5EF4-FFF2-40B4-BE49-F238E27FC236}">
-                <a16:creationId xmlns:a16="http://schemas.microsoft.com/office/drawing/2014/main" id="{27991C0F-04F0-4344-9E9B-9C612BEF9259}"/>
-              </a:ext>
-            </a:extLst>
-          </p:cNvPr>
+          <p:cNvPr id="6" name="Slide Number Placeholder 5"/>
           <p:cNvSpPr>
             <a:spLocks noGrp="1"/>
           </p:cNvSpPr>
@@ -730,7 +862,7 @@
     </p:spTree>
     <p:extLst>
       <p:ext uri="{BB962C8B-B14F-4D97-AF65-F5344CB8AC3E}">
-        <p14:creationId xmlns:p14="http://schemas.microsoft.com/office/powerpoint/2010/main" val="1562971394"/>
+        <p14:creationId xmlns:p14="http://schemas.microsoft.com/office/powerpoint/2010/main" val="3796665800"/>
       </p:ext>
     </p:extLst>
   </p:cSld>
@@ -759,13 +891,7 @@
       </p:grpSpPr>
       <p:sp>
         <p:nvSpPr>
-          <p:cNvPr id="2" name="Title 1">
-            <a:extLst>
-              <a:ext uri="{FF2B5EF4-FFF2-40B4-BE49-F238E27FC236}">
-                <a16:creationId xmlns:a16="http://schemas.microsoft.com/office/drawing/2014/main" id="{FD82B48E-64B9-4A8C-BACF-080B5353703F}"/>
-              </a:ext>
-            </a:extLst>
-          </p:cNvPr>
+          <p:cNvPr id="2" name="Title 1"/>
           <p:cNvSpPr>
             <a:spLocks noGrp="1"/>
           </p:cNvSpPr>
@@ -782,18 +908,13 @@
               <a:rPr lang="en-US"/>
               <a:t>Click to edit Master title style</a:t>
             </a:r>
-          </a:p>
-        </p:txBody>
-      </p:sp>
-      <p:sp>
-        <p:nvSpPr>
-          <p:cNvPr id="3" name="Content Placeholder 2">
-            <a:extLst>
-              <a:ext uri="{FF2B5EF4-FFF2-40B4-BE49-F238E27FC236}">
-                <a16:creationId xmlns:a16="http://schemas.microsoft.com/office/drawing/2014/main" id="{45F42F79-2ADB-4928-B7C5-B0945829CD95}"/>
-              </a:ext>
-            </a:extLst>
-          </p:cNvPr>
+            <a:endParaRPr lang="en-US" dirty="0"/>
+          </a:p>
+        </p:txBody>
+      </p:sp>
+      <p:sp>
+        <p:nvSpPr>
+          <p:cNvPr id="3" name="Content Placeholder 2"/>
           <p:cNvSpPr>
             <a:spLocks noGrp="1"/>
           </p:cNvSpPr>
@@ -839,18 +960,13 @@
               <a:rPr lang="en-US"/>
               <a:t>Fifth level</a:t>
             </a:r>
-          </a:p>
-        </p:txBody>
-      </p:sp>
-      <p:sp>
-        <p:nvSpPr>
-          <p:cNvPr id="4" name="Date Placeholder 3">
-            <a:extLst>
-              <a:ext uri="{FF2B5EF4-FFF2-40B4-BE49-F238E27FC236}">
-                <a16:creationId xmlns:a16="http://schemas.microsoft.com/office/drawing/2014/main" id="{27EC66E9-77FB-4676-A1F2-9009CD46B972}"/>
-              </a:ext>
-            </a:extLst>
-          </p:cNvPr>
+            <a:endParaRPr lang="en-US" dirty="0"/>
+          </a:p>
+        </p:txBody>
+      </p:sp>
+      <p:sp>
+        <p:nvSpPr>
+          <p:cNvPr id="4" name="Date Placeholder 3"/>
           <p:cNvSpPr>
             <a:spLocks noGrp="1"/>
           </p:cNvSpPr>
@@ -873,13 +989,7 @@
       </p:sp>
       <p:sp>
         <p:nvSpPr>
-          <p:cNvPr id="5" name="Footer Placeholder 4">
-            <a:extLst>
-              <a:ext uri="{FF2B5EF4-FFF2-40B4-BE49-F238E27FC236}">
-                <a16:creationId xmlns:a16="http://schemas.microsoft.com/office/drawing/2014/main" id="{0753B2BE-C79C-4C92-83D8-B61A85AAB73B}"/>
-              </a:ext>
-            </a:extLst>
-          </p:cNvPr>
+          <p:cNvPr id="5" name="Footer Placeholder 4"/>
           <p:cNvSpPr>
             <a:spLocks noGrp="1"/>
           </p:cNvSpPr>
@@ -898,13 +1008,7 @@
       </p:sp>
       <p:sp>
         <p:nvSpPr>
-          <p:cNvPr id="6" name="Slide Number Placeholder 5">
-            <a:extLst>
-              <a:ext uri="{FF2B5EF4-FFF2-40B4-BE49-F238E27FC236}">
-                <a16:creationId xmlns:a16="http://schemas.microsoft.com/office/drawing/2014/main" id="{BD7C5848-8E37-4561-8F19-ACDDD666A3B5}"/>
-              </a:ext>
-            </a:extLst>
-          </p:cNvPr>
+          <p:cNvPr id="6" name="Slide Number Placeholder 5"/>
           <p:cNvSpPr>
             <a:spLocks noGrp="1"/>
           </p:cNvSpPr>
@@ -928,7 +1032,7 @@
     </p:spTree>
     <p:extLst>
       <p:ext uri="{BB962C8B-B14F-4D97-AF65-F5344CB8AC3E}">
-        <p14:creationId xmlns:p14="http://schemas.microsoft.com/office/powerpoint/2010/main" val="1780050749"/>
+        <p14:creationId xmlns:p14="http://schemas.microsoft.com/office/powerpoint/2010/main" val="3836016255"/>
       </p:ext>
     </p:extLst>
   </p:cSld>
@@ -939,8 +1043,16 @@
 </file>
 
 <file path=ppt/slideLayouts/slideLayout3.xml><?xml version="1.0" encoding="utf-8"?>
-<p:sldLayout xmlns:a="http://schemas.openxmlformats.org/drawingml/2006/main" xmlns:r="http://schemas.openxmlformats.org/officeDocument/2006/relationships" xmlns:p="http://schemas.openxmlformats.org/presentationml/2006/main" type="secHead" preserve="1">
+<p:sldLayout xmlns:a="http://schemas.openxmlformats.org/drawingml/2006/main" xmlns:r="http://schemas.openxmlformats.org/officeDocument/2006/relationships" xmlns:p="http://schemas.openxmlformats.org/presentationml/2006/main" showMasterSp="0" type="secHead" preserve="1">
   <p:cSld name="Section Header">
+    <p:bg>
+      <p:bgPr>
+        <a:solidFill>
+          <a:schemeClr val="bg1"/>
+        </a:solidFill>
+        <a:effectLst/>
+      </p:bgPr>
+    </p:bg>
     <p:spTree>
       <p:nvGrpSpPr>
         <p:cNvPr id="1" name=""/>
@@ -957,79 +1069,157 @@
       </p:grpSpPr>
       <p:sp>
         <p:nvSpPr>
-          <p:cNvPr id="2" name="Title 1">
-            <a:extLst>
-              <a:ext uri="{FF2B5EF4-FFF2-40B4-BE49-F238E27FC236}">
-                <a16:creationId xmlns:a16="http://schemas.microsoft.com/office/drawing/2014/main" id="{5E45C827-E1FE-4A01-940F-474DE506F181}"/>
-              </a:ext>
-            </a:extLst>
-          </p:cNvPr>
-          <p:cNvSpPr>
-            <a:spLocks noGrp="1"/>
-          </p:cNvSpPr>
-          <p:nvPr>
-            <p:ph type="title"/>
-          </p:nvPr>
+          <p:cNvPr id="7" name="Rectangle 6"/>
+          <p:cNvSpPr/>
+          <p:nvPr/>
         </p:nvSpPr>
         <p:spPr>
           <a:xfrm>
-            <a:off x="831850" y="1709738"/>
-            <a:ext cx="10515600" cy="2852737"/>
+            <a:off x="3175" y="6400800"/>
+            <a:ext cx="12188825" cy="457200"/>
+          </a:xfrm>
+          <a:prstGeom prst="rect">
+            <a:avLst/>
+          </a:prstGeom>
+          <a:solidFill>
+            <a:schemeClr val="accent2"/>
+          </a:solidFill>
+          <a:ln>
+            <a:noFill/>
+          </a:ln>
+        </p:spPr>
+        <p:style>
+          <a:lnRef idx="2">
+            <a:schemeClr val="accent1">
+              <a:shade val="50000"/>
+            </a:schemeClr>
+          </a:lnRef>
+          <a:fillRef idx="1">
+            <a:schemeClr val="accent1"/>
+          </a:fillRef>
+          <a:effectRef idx="0">
+            <a:schemeClr val="accent1"/>
+          </a:effectRef>
+          <a:fontRef idx="minor">
+            <a:schemeClr val="lt1"/>
+          </a:fontRef>
+        </p:style>
+      </p:sp>
+      <p:sp>
+        <p:nvSpPr>
+          <p:cNvPr id="8" name="Rectangle 7"/>
+          <p:cNvSpPr/>
+          <p:nvPr/>
+        </p:nvSpPr>
+        <p:spPr>
+          <a:xfrm>
+            <a:off x="15" y="6334316"/>
+            <a:ext cx="12188825" cy="64008"/>
+          </a:xfrm>
+          <a:prstGeom prst="rect">
+            <a:avLst/>
+          </a:prstGeom>
+          <a:solidFill>
+            <a:schemeClr val="accent1"/>
+          </a:solidFill>
+          <a:ln>
+            <a:noFill/>
+          </a:ln>
+        </p:spPr>
+        <p:style>
+          <a:lnRef idx="2">
+            <a:schemeClr val="accent1">
+              <a:shade val="50000"/>
+            </a:schemeClr>
+          </a:lnRef>
+          <a:fillRef idx="1">
+            <a:schemeClr val="accent1"/>
+          </a:fillRef>
+          <a:effectRef idx="0">
+            <a:schemeClr val="accent1"/>
+          </a:effectRef>
+          <a:fontRef idx="minor">
+            <a:schemeClr val="lt1"/>
+          </a:fontRef>
+        </p:style>
+      </p:sp>
+      <p:sp>
+        <p:nvSpPr>
+          <p:cNvPr id="2" name="Title 1"/>
+          <p:cNvSpPr>
+            <a:spLocks noGrp="1"/>
+          </p:cNvSpPr>
+          <p:nvPr>
+            <p:ph type="title"/>
+          </p:nvPr>
+        </p:nvSpPr>
+        <p:spPr>
+          <a:xfrm>
+            <a:off x="1097280" y="758952"/>
+            <a:ext cx="10058400" cy="3566160"/>
           </a:xfrm>
         </p:spPr>
         <p:txBody>
-          <a:bodyPr anchor="b"/>
+          <a:bodyPr anchor="b" anchorCtr="0">
+            <a:normAutofit/>
+          </a:bodyPr>
           <a:lstStyle>
             <a:lvl1pPr>
-              <a:defRPr sz="6000"/>
-            </a:lvl1pPr>
-          </a:lstStyle>
-          <a:p>
-            <a:r>
-              <a:rPr lang="en-US"/>
-              <a:t>Click to edit Master title style</a:t>
-            </a:r>
-          </a:p>
-        </p:txBody>
-      </p:sp>
-      <p:sp>
-        <p:nvSpPr>
-          <p:cNvPr id="3" name="Text Placeholder 2">
-            <a:extLst>
-              <a:ext uri="{FF2B5EF4-FFF2-40B4-BE49-F238E27FC236}">
-                <a16:creationId xmlns:a16="http://schemas.microsoft.com/office/drawing/2014/main" id="{97EC4CAD-314A-4CDA-B271-0C41B12DEDD2}"/>
-              </a:ext>
-            </a:extLst>
-          </p:cNvPr>
-          <p:cNvSpPr>
-            <a:spLocks noGrp="1"/>
-          </p:cNvSpPr>
-          <p:nvPr>
-            <p:ph type="body" idx="1"/>
-          </p:nvPr>
-        </p:nvSpPr>
-        <p:spPr>
-          <a:xfrm>
-            <a:off x="831850" y="4589463"/>
-            <a:ext cx="10515600" cy="1500187"/>
-          </a:xfrm>
-        </p:spPr>
-        <p:txBody>
-          <a:bodyPr/>
-          <a:lstStyle>
-            <a:lvl1pPr marL="0" indent="0">
-              <a:buNone/>
-              <a:defRPr sz="2400">
+              <a:lnSpc>
+                <a:spcPct val="85000"/>
+              </a:lnSpc>
+              <a:defRPr sz="8000" b="0">
                 <a:solidFill>
                   <a:schemeClr val="tx1">
-                    <a:tint val="75000"/>
+                    <a:lumMod val="85000"/>
+                    <a:lumOff val="15000"/>
                   </a:schemeClr>
                 </a:solidFill>
               </a:defRPr>
             </a:lvl1pPr>
+          </a:lstStyle>
+          <a:p>
+            <a:r>
+              <a:rPr lang="en-US"/>
+              <a:t>Click to edit Master title style</a:t>
+            </a:r>
+            <a:endParaRPr lang="en-US" dirty="0"/>
+          </a:p>
+        </p:txBody>
+      </p:sp>
+      <p:sp>
+        <p:nvSpPr>
+          <p:cNvPr id="3" name="Text Placeholder 2"/>
+          <p:cNvSpPr>
+            <a:spLocks noGrp="1"/>
+          </p:cNvSpPr>
+          <p:nvPr>
+            <p:ph type="body" idx="1"/>
+          </p:nvPr>
+        </p:nvSpPr>
+        <p:spPr>
+          <a:xfrm>
+            <a:off x="1097280" y="4453128"/>
+            <a:ext cx="10058400" cy="1143000"/>
+          </a:xfrm>
+        </p:spPr>
+        <p:txBody>
+          <a:bodyPr lIns="91440" rIns="91440" anchor="t" anchorCtr="0">
+            <a:normAutofit/>
+          </a:bodyPr>
+          <a:lstStyle>
+            <a:lvl1pPr marL="0" indent="0">
+              <a:buNone/>
+              <a:defRPr sz="2400" cap="all" spc="200" baseline="0">
+                <a:solidFill>
+                  <a:schemeClr val="tx2"/>
+                </a:solidFill>
+                <a:latin typeface="+mj-lt"/>
+              </a:defRPr>
+            </a:lvl1pPr>
             <a:lvl2pPr marL="457200" indent="0">
               <a:buNone/>
-              <a:defRPr sz="2000">
+              <a:defRPr sz="1800">
                 <a:solidFill>
                   <a:schemeClr val="tx1">
                     <a:tint val="75000"/>
@@ -1039,7 +1229,7 @@
             </a:lvl2pPr>
             <a:lvl3pPr marL="914400" indent="0">
               <a:buNone/>
-              <a:defRPr sz="1800">
+              <a:defRPr sz="1600">
                 <a:solidFill>
                   <a:schemeClr val="tx1">
                     <a:tint val="75000"/>
@@ -1049,7 +1239,7 @@
             </a:lvl3pPr>
             <a:lvl4pPr marL="1371600" indent="0">
               <a:buNone/>
-              <a:defRPr sz="1600">
+              <a:defRPr sz="1400">
                 <a:solidFill>
                   <a:schemeClr val="tx1">
                     <a:tint val="75000"/>
@@ -1059,7 +1249,7 @@
             </a:lvl4pPr>
             <a:lvl5pPr marL="1828800" indent="0">
               <a:buNone/>
-              <a:defRPr sz="1600">
+              <a:defRPr sz="1400">
                 <a:solidFill>
                   <a:schemeClr val="tx1">
                     <a:tint val="75000"/>
@@ -1069,7 +1259,7 @@
             </a:lvl5pPr>
             <a:lvl6pPr marL="2286000" indent="0">
               <a:buNone/>
-              <a:defRPr sz="1600">
+              <a:defRPr sz="1400">
                 <a:solidFill>
                   <a:schemeClr val="tx1">
                     <a:tint val="75000"/>
@@ -1079,7 +1269,7 @@
             </a:lvl6pPr>
             <a:lvl7pPr marL="2743200" indent="0">
               <a:buNone/>
-              <a:defRPr sz="1600">
+              <a:defRPr sz="1400">
                 <a:solidFill>
                   <a:schemeClr val="tx1">
                     <a:tint val="75000"/>
@@ -1089,7 +1279,7 @@
             </a:lvl7pPr>
             <a:lvl8pPr marL="3200400" indent="0">
               <a:buNone/>
-              <a:defRPr sz="1600">
+              <a:defRPr sz="1400">
                 <a:solidFill>
                   <a:schemeClr val="tx1">
                     <a:tint val="75000"/>
@@ -1099,7 +1289,7 @@
             </a:lvl8pPr>
             <a:lvl9pPr marL="3657600" indent="0">
               <a:buNone/>
-              <a:defRPr sz="1600">
+              <a:defRPr sz="1400">
                 <a:solidFill>
                   <a:schemeClr val="tx1">
                     <a:tint val="75000"/>
@@ -1119,13 +1309,7 @@
       </p:sp>
       <p:sp>
         <p:nvSpPr>
-          <p:cNvPr id="4" name="Date Placeholder 3">
-            <a:extLst>
-              <a:ext uri="{FF2B5EF4-FFF2-40B4-BE49-F238E27FC236}">
-                <a16:creationId xmlns:a16="http://schemas.microsoft.com/office/drawing/2014/main" id="{9C01C469-DBFB-4DF7-9B0A-AF98D62767B4}"/>
-              </a:ext>
-            </a:extLst>
-          </p:cNvPr>
+          <p:cNvPr id="4" name="Date Placeholder 3"/>
           <p:cNvSpPr>
             <a:spLocks noGrp="1"/>
           </p:cNvSpPr>
@@ -1148,13 +1332,7 @@
       </p:sp>
       <p:sp>
         <p:nvSpPr>
-          <p:cNvPr id="5" name="Footer Placeholder 4">
-            <a:extLst>
-              <a:ext uri="{FF2B5EF4-FFF2-40B4-BE49-F238E27FC236}">
-                <a16:creationId xmlns:a16="http://schemas.microsoft.com/office/drawing/2014/main" id="{EE91700B-8B13-405C-8055-85A767EE5A37}"/>
-              </a:ext>
-            </a:extLst>
-          </p:cNvPr>
+          <p:cNvPr id="5" name="Footer Placeholder 4"/>
           <p:cNvSpPr>
             <a:spLocks noGrp="1"/>
           </p:cNvSpPr>
@@ -1173,13 +1351,7 @@
       </p:sp>
       <p:sp>
         <p:nvSpPr>
-          <p:cNvPr id="6" name="Slide Number Placeholder 5">
-            <a:extLst>
-              <a:ext uri="{FF2B5EF4-FFF2-40B4-BE49-F238E27FC236}">
-                <a16:creationId xmlns:a16="http://schemas.microsoft.com/office/drawing/2014/main" id="{83D54452-CCDE-49F8-9926-36615B5D3400}"/>
-              </a:ext>
-            </a:extLst>
-          </p:cNvPr>
+          <p:cNvPr id="6" name="Slide Number Placeholder 5"/>
           <p:cNvSpPr>
             <a:spLocks noGrp="1"/>
           </p:cNvSpPr>
@@ -1200,10 +1372,48 @@
           </a:p>
         </p:txBody>
       </p:sp>
+      <p:cxnSp>
+        <p:nvCxnSpPr>
+          <p:cNvPr id="9" name="Straight Connector 8"/>
+          <p:cNvCxnSpPr/>
+          <p:nvPr/>
+        </p:nvCxnSpPr>
+        <p:spPr>
+          <a:xfrm>
+            <a:off x="1207658" y="4343400"/>
+            <a:ext cx="9875520" cy="0"/>
+          </a:xfrm>
+          <a:prstGeom prst="line">
+            <a:avLst/>
+          </a:prstGeom>
+          <a:ln w="6350">
+            <a:solidFill>
+              <a:schemeClr val="tx1">
+                <a:lumMod val="50000"/>
+                <a:lumOff val="50000"/>
+              </a:schemeClr>
+            </a:solidFill>
+          </a:ln>
+        </p:spPr>
+        <p:style>
+          <a:lnRef idx="1">
+            <a:schemeClr val="accent1"/>
+          </a:lnRef>
+          <a:fillRef idx="0">
+            <a:schemeClr val="accent1"/>
+          </a:fillRef>
+          <a:effectRef idx="0">
+            <a:schemeClr val="accent1"/>
+          </a:effectRef>
+          <a:fontRef idx="minor">
+            <a:schemeClr val="tx1"/>
+          </a:fontRef>
+        </p:style>
+      </p:cxnSp>
     </p:spTree>
     <p:extLst>
       <p:ext uri="{BB962C8B-B14F-4D97-AF65-F5344CB8AC3E}">
-        <p14:creationId xmlns:p14="http://schemas.microsoft.com/office/powerpoint/2010/main" val="2569000961"/>
+        <p14:creationId xmlns:p14="http://schemas.microsoft.com/office/powerpoint/2010/main" val="3201310684"/>
       </p:ext>
     </p:extLst>
   </p:cSld>
@@ -1232,114 +1442,46 @@
       </p:grpSpPr>
       <p:sp>
         <p:nvSpPr>
-          <p:cNvPr id="2" name="Title 1">
-            <a:extLst>
-              <a:ext uri="{FF2B5EF4-FFF2-40B4-BE49-F238E27FC236}">
-                <a16:creationId xmlns:a16="http://schemas.microsoft.com/office/drawing/2014/main" id="{4B22A5CB-6FCC-438E-A6BD-AB009CF4DC00}"/>
-              </a:ext>
-            </a:extLst>
-          </p:cNvPr>
+          <p:cNvPr id="8" name="Title 7"/>
           <p:cNvSpPr>
             <a:spLocks noGrp="1"/>
           </p:cNvSpPr>
           <p:nvPr>
             <p:ph type="title"/>
-          </p:nvPr>
-        </p:nvSpPr>
-        <p:spPr/>
-        <p:txBody>
-          <a:bodyPr/>
-          <a:lstStyle/>
-          <a:p>
-            <a:r>
-              <a:rPr lang="en-US"/>
-              <a:t>Click to edit Master title style</a:t>
-            </a:r>
-          </a:p>
-        </p:txBody>
-      </p:sp>
-      <p:sp>
-        <p:nvSpPr>
-          <p:cNvPr id="3" name="Content Placeholder 2">
-            <a:extLst>
-              <a:ext uri="{FF2B5EF4-FFF2-40B4-BE49-F238E27FC236}">
-                <a16:creationId xmlns:a16="http://schemas.microsoft.com/office/drawing/2014/main" id="{AB4F094C-8DB3-4A4B-85A8-419A39C77F2B}"/>
-              </a:ext>
-            </a:extLst>
-          </p:cNvPr>
-          <p:cNvSpPr>
-            <a:spLocks noGrp="1"/>
-          </p:cNvSpPr>
-          <p:nvPr>
-            <p:ph sz="half" idx="1"/>
           </p:nvPr>
         </p:nvSpPr>
         <p:spPr>
           <a:xfrm>
-            <a:off x="838200" y="1825625"/>
-            <a:ext cx="5181600" cy="4351338"/>
+            <a:off x="1097280" y="286603"/>
+            <a:ext cx="10058400" cy="1450757"/>
           </a:xfrm>
         </p:spPr>
         <p:txBody>
           <a:bodyPr/>
           <a:lstStyle/>
           <a:p>
-            <a:pPr lvl="0"/>
-            <a:r>
-              <a:rPr lang="en-US"/>
-              <a:t>Edit Master text styles</a:t>
-            </a:r>
-          </a:p>
-          <a:p>
-            <a:pPr lvl="1"/>
-            <a:r>
-              <a:rPr lang="en-US"/>
-              <a:t>Second level</a:t>
-            </a:r>
-          </a:p>
-          <a:p>
-            <a:pPr lvl="2"/>
-            <a:r>
-              <a:rPr lang="en-US"/>
-              <a:t>Third level</a:t>
-            </a:r>
-          </a:p>
-          <a:p>
-            <a:pPr lvl="3"/>
-            <a:r>
-              <a:rPr lang="en-US"/>
-              <a:t>Fourth level</a:t>
-            </a:r>
-          </a:p>
-          <a:p>
-            <a:pPr lvl="4"/>
-            <a:r>
-              <a:rPr lang="en-US"/>
-              <a:t>Fifth level</a:t>
-            </a:r>
-          </a:p>
-        </p:txBody>
-      </p:sp>
-      <p:sp>
-        <p:nvSpPr>
-          <p:cNvPr id="4" name="Content Placeholder 3">
-            <a:extLst>
-              <a:ext uri="{FF2B5EF4-FFF2-40B4-BE49-F238E27FC236}">
-                <a16:creationId xmlns:a16="http://schemas.microsoft.com/office/drawing/2014/main" id="{21052635-B9BE-48CC-9C1C-A71FCA8A7B99}"/>
-              </a:ext>
-            </a:extLst>
-          </p:cNvPr>
-          <p:cNvSpPr>
-            <a:spLocks noGrp="1"/>
-          </p:cNvSpPr>
-          <p:nvPr>
-            <p:ph sz="half" idx="2"/>
+            <a:r>
+              <a:rPr lang="en-US"/>
+              <a:t>Click to edit Master title style</a:t>
+            </a:r>
+            <a:endParaRPr lang="en-US" dirty="0"/>
+          </a:p>
+        </p:txBody>
+      </p:sp>
+      <p:sp>
+        <p:nvSpPr>
+          <p:cNvPr id="3" name="Content Placeholder 2"/>
+          <p:cNvSpPr>
+            <a:spLocks noGrp="1"/>
+          </p:cNvSpPr>
+          <p:nvPr>
+            <p:ph sz="half" idx="1"/>
           </p:nvPr>
         </p:nvSpPr>
         <p:spPr>
           <a:xfrm>
-            <a:off x="6172200" y="1825625"/>
-            <a:ext cx="5181600" cy="4351338"/>
+            <a:off x="1097280" y="1845734"/>
+            <a:ext cx="4937760" cy="4023359"/>
           </a:xfrm>
         </p:spPr>
         <p:txBody>
@@ -1379,18 +1521,70 @@
               <a:rPr lang="en-US"/>
               <a:t>Fifth level</a:t>
             </a:r>
-          </a:p>
-        </p:txBody>
-      </p:sp>
-      <p:sp>
-        <p:nvSpPr>
-          <p:cNvPr id="5" name="Date Placeholder 4">
-            <a:extLst>
-              <a:ext uri="{FF2B5EF4-FFF2-40B4-BE49-F238E27FC236}">
-                <a16:creationId xmlns:a16="http://schemas.microsoft.com/office/drawing/2014/main" id="{F5F3F6A0-3724-4283-B7F1-A8AF65A74166}"/>
-              </a:ext>
-            </a:extLst>
-          </p:cNvPr>
+            <a:endParaRPr lang="en-US" dirty="0"/>
+          </a:p>
+        </p:txBody>
+      </p:sp>
+      <p:sp>
+        <p:nvSpPr>
+          <p:cNvPr id="4" name="Content Placeholder 3"/>
+          <p:cNvSpPr>
+            <a:spLocks noGrp="1"/>
+          </p:cNvSpPr>
+          <p:nvPr>
+            <p:ph sz="half" idx="2"/>
+          </p:nvPr>
+        </p:nvSpPr>
+        <p:spPr>
+          <a:xfrm>
+            <a:off x="6217920" y="1845735"/>
+            <a:ext cx="4937760" cy="4023360"/>
+          </a:xfrm>
+        </p:spPr>
+        <p:txBody>
+          <a:bodyPr/>
+          <a:lstStyle/>
+          <a:p>
+            <a:pPr lvl="0"/>
+            <a:r>
+              <a:rPr lang="en-US"/>
+              <a:t>Edit Master text styles</a:t>
+            </a:r>
+          </a:p>
+          <a:p>
+            <a:pPr lvl="1"/>
+            <a:r>
+              <a:rPr lang="en-US"/>
+              <a:t>Second level</a:t>
+            </a:r>
+          </a:p>
+          <a:p>
+            <a:pPr lvl="2"/>
+            <a:r>
+              <a:rPr lang="en-US"/>
+              <a:t>Third level</a:t>
+            </a:r>
+          </a:p>
+          <a:p>
+            <a:pPr lvl="3"/>
+            <a:r>
+              <a:rPr lang="en-US"/>
+              <a:t>Fourth level</a:t>
+            </a:r>
+          </a:p>
+          <a:p>
+            <a:pPr lvl="4"/>
+            <a:r>
+              <a:rPr lang="en-US"/>
+              <a:t>Fifth level</a:t>
+            </a:r>
+            <a:endParaRPr lang="en-US" dirty="0"/>
+          </a:p>
+        </p:txBody>
+      </p:sp>
+      <p:sp>
+        <p:nvSpPr>
+          <p:cNvPr id="5" name="Date Placeholder 4"/>
           <p:cNvSpPr>
             <a:spLocks noGrp="1"/>
           </p:cNvSpPr>
@@ -1413,13 +1607,7 @@
       </p:sp>
       <p:sp>
         <p:nvSpPr>
-          <p:cNvPr id="6" name="Footer Placeholder 5">
-            <a:extLst>
-              <a:ext uri="{FF2B5EF4-FFF2-40B4-BE49-F238E27FC236}">
-                <a16:creationId xmlns:a16="http://schemas.microsoft.com/office/drawing/2014/main" id="{51734A13-AF06-4298-9655-414E0774A36A}"/>
-              </a:ext>
-            </a:extLst>
-          </p:cNvPr>
+          <p:cNvPr id="6" name="Footer Placeholder 5"/>
           <p:cNvSpPr>
             <a:spLocks noGrp="1"/>
           </p:cNvSpPr>
@@ -1438,13 +1626,7 @@
       </p:sp>
       <p:sp>
         <p:nvSpPr>
-          <p:cNvPr id="7" name="Slide Number Placeholder 6">
-            <a:extLst>
-              <a:ext uri="{FF2B5EF4-FFF2-40B4-BE49-F238E27FC236}">
-                <a16:creationId xmlns:a16="http://schemas.microsoft.com/office/drawing/2014/main" id="{C118C4CB-0370-4EE3-AD43-5088A770D4A0}"/>
-              </a:ext>
-            </a:extLst>
-          </p:cNvPr>
+          <p:cNvPr id="7" name="Slide Number Placeholder 6"/>
           <p:cNvSpPr>
             <a:spLocks noGrp="1"/>
           </p:cNvSpPr>
@@ -1468,7 +1650,7 @@
     </p:spTree>
     <p:extLst>
       <p:ext uri="{BB962C8B-B14F-4D97-AF65-F5344CB8AC3E}">
-        <p14:creationId xmlns:p14="http://schemas.microsoft.com/office/powerpoint/2010/main" val="1474474422"/>
+        <p14:creationId xmlns:p14="http://schemas.microsoft.com/office/powerpoint/2010/main" val="4123989283"/>
       </p:ext>
     </p:extLst>
   </p:cSld>
@@ -1497,13 +1679,7 @@
       </p:grpSpPr>
       <p:sp>
         <p:nvSpPr>
-          <p:cNvPr id="2" name="Title 1">
-            <a:extLst>
-              <a:ext uri="{FF2B5EF4-FFF2-40B4-BE49-F238E27FC236}">
-                <a16:creationId xmlns:a16="http://schemas.microsoft.com/office/drawing/2014/main" id="{503B231C-852A-4616-BA43-3337228F410C}"/>
-              </a:ext>
-            </a:extLst>
-          </p:cNvPr>
+          <p:cNvPr id="10" name="Title 9"/>
           <p:cNvSpPr>
             <a:spLocks noGrp="1"/>
           </p:cNvSpPr>
@@ -1513,8 +1689,8 @@
         </p:nvSpPr>
         <p:spPr>
           <a:xfrm>
-            <a:off x="839788" y="365125"/>
-            <a:ext cx="10515600" cy="1325563"/>
+            <a:off x="1097280" y="286603"/>
+            <a:ext cx="10058400" cy="1450757"/>
           </a:xfrm>
         </p:spPr>
         <p:txBody>
@@ -1525,18 +1701,13 @@
               <a:rPr lang="en-US"/>
               <a:t>Click to edit Master title style</a:t>
             </a:r>
-          </a:p>
-        </p:txBody>
-      </p:sp>
-      <p:sp>
-        <p:nvSpPr>
-          <p:cNvPr id="3" name="Text Placeholder 2">
-            <a:extLst>
-              <a:ext uri="{FF2B5EF4-FFF2-40B4-BE49-F238E27FC236}">
-                <a16:creationId xmlns:a16="http://schemas.microsoft.com/office/drawing/2014/main" id="{CEEAC463-FBDB-420C-95C0-1DCEE7922CE4}"/>
-              </a:ext>
-            </a:extLst>
-          </p:cNvPr>
+            <a:endParaRPr lang="en-US" dirty="0"/>
+          </a:p>
+        </p:txBody>
+      </p:sp>
+      <p:sp>
+        <p:nvSpPr>
+          <p:cNvPr id="3" name="Text Placeholder 2"/>
           <p:cNvSpPr>
             <a:spLocks noGrp="1"/>
           </p:cNvSpPr>
@@ -1546,16 +1717,22 @@
         </p:nvSpPr>
         <p:spPr>
           <a:xfrm>
-            <a:off x="839788" y="1681163"/>
-            <a:ext cx="5157787" cy="823912"/>
+            <a:off x="1097280" y="1846052"/>
+            <a:ext cx="4937760" cy="736282"/>
           </a:xfrm>
         </p:spPr>
         <p:txBody>
-          <a:bodyPr anchor="b"/>
+          <a:bodyPr lIns="91440" rIns="91440" anchor="ctr">
+            <a:normAutofit/>
+          </a:bodyPr>
           <a:lstStyle>
             <a:lvl1pPr marL="0" indent="0">
               <a:buNone/>
-              <a:defRPr sz="2400" b="1"/>
+              <a:defRPr sz="2000" b="0" cap="all" baseline="0">
+                <a:solidFill>
+                  <a:schemeClr val="tx2"/>
+                </a:solidFill>
+              </a:defRPr>
             </a:lvl1pPr>
             <a:lvl2pPr marL="457200" indent="0">
               <a:buNone/>
@@ -1601,13 +1778,7 @@
       </p:sp>
       <p:sp>
         <p:nvSpPr>
-          <p:cNvPr id="4" name="Content Placeholder 3">
-            <a:extLst>
-              <a:ext uri="{FF2B5EF4-FFF2-40B4-BE49-F238E27FC236}">
-                <a16:creationId xmlns:a16="http://schemas.microsoft.com/office/drawing/2014/main" id="{39302127-B3D6-4B96-8DE3-95459A4686C0}"/>
-              </a:ext>
-            </a:extLst>
-          </p:cNvPr>
+          <p:cNvPr id="4" name="Content Placeholder 3"/>
           <p:cNvSpPr>
             <a:spLocks noGrp="1"/>
           </p:cNvSpPr>
@@ -1617,8 +1788,8 @@
         </p:nvSpPr>
         <p:spPr>
           <a:xfrm>
-            <a:off x="839788" y="2505075"/>
-            <a:ext cx="5157787" cy="3684588"/>
+            <a:off x="1097280" y="2582335"/>
+            <a:ext cx="4937760" cy="3286760"/>
           </a:xfrm>
         </p:spPr>
         <p:txBody>
@@ -1658,18 +1829,13 @@
               <a:rPr lang="en-US"/>
               <a:t>Fifth level</a:t>
             </a:r>
-          </a:p>
-        </p:txBody>
-      </p:sp>
-      <p:sp>
-        <p:nvSpPr>
-          <p:cNvPr id="5" name="Text Placeholder 4">
-            <a:extLst>
-              <a:ext uri="{FF2B5EF4-FFF2-40B4-BE49-F238E27FC236}">
-                <a16:creationId xmlns:a16="http://schemas.microsoft.com/office/drawing/2014/main" id="{E5AAF973-B645-4806-B57C-AC2EF4EB0E14}"/>
-              </a:ext>
-            </a:extLst>
-          </p:cNvPr>
+            <a:endParaRPr lang="en-US" dirty="0"/>
+          </a:p>
+        </p:txBody>
+      </p:sp>
+      <p:sp>
+        <p:nvSpPr>
+          <p:cNvPr id="5" name="Text Placeholder 4"/>
           <p:cNvSpPr>
             <a:spLocks noGrp="1"/>
           </p:cNvSpPr>
@@ -1679,16 +1845,22 @@
         </p:nvSpPr>
         <p:spPr>
           <a:xfrm>
-            <a:off x="6172200" y="1681163"/>
-            <a:ext cx="5183188" cy="823912"/>
+            <a:off x="6217920" y="1846052"/>
+            <a:ext cx="4937760" cy="736282"/>
           </a:xfrm>
         </p:spPr>
         <p:txBody>
-          <a:bodyPr anchor="b"/>
+          <a:bodyPr lIns="91440" rIns="91440" anchor="ctr">
+            <a:normAutofit/>
+          </a:bodyPr>
           <a:lstStyle>
             <a:lvl1pPr marL="0" indent="0">
               <a:buNone/>
-              <a:defRPr sz="2400" b="1"/>
+              <a:defRPr sz="2000" b="0" cap="all" baseline="0">
+                <a:solidFill>
+                  <a:schemeClr val="tx2"/>
+                </a:solidFill>
+              </a:defRPr>
             </a:lvl1pPr>
             <a:lvl2pPr marL="457200" indent="0">
               <a:buNone/>
@@ -1734,13 +1906,7 @@
       </p:sp>
       <p:sp>
         <p:nvSpPr>
-          <p:cNvPr id="6" name="Content Placeholder 5">
-            <a:extLst>
-              <a:ext uri="{FF2B5EF4-FFF2-40B4-BE49-F238E27FC236}">
-                <a16:creationId xmlns:a16="http://schemas.microsoft.com/office/drawing/2014/main" id="{D45BD3D2-CE7C-424B-AFB7-132F284E13EB}"/>
-              </a:ext>
-            </a:extLst>
-          </p:cNvPr>
+          <p:cNvPr id="6" name="Content Placeholder 5"/>
           <p:cNvSpPr>
             <a:spLocks noGrp="1"/>
           </p:cNvSpPr>
@@ -1750,8 +1916,8 @@
         </p:nvSpPr>
         <p:spPr>
           <a:xfrm>
-            <a:off x="6172200" y="2505075"/>
-            <a:ext cx="5183188" cy="3684588"/>
+            <a:off x="6217920" y="2582334"/>
+            <a:ext cx="4937760" cy="3286760"/>
           </a:xfrm>
         </p:spPr>
         <p:txBody>
@@ -1791,18 +1957,13 @@
               <a:rPr lang="en-US"/>
               <a:t>Fifth level</a:t>
             </a:r>
-          </a:p>
-        </p:txBody>
-      </p:sp>
-      <p:sp>
-        <p:nvSpPr>
-          <p:cNvPr id="7" name="Date Placeholder 6">
-            <a:extLst>
-              <a:ext uri="{FF2B5EF4-FFF2-40B4-BE49-F238E27FC236}">
-                <a16:creationId xmlns:a16="http://schemas.microsoft.com/office/drawing/2014/main" id="{C6C9BB55-16EB-4251-B52A-20E7EB327E55}"/>
-              </a:ext>
-            </a:extLst>
-          </p:cNvPr>
+            <a:endParaRPr lang="en-US" dirty="0"/>
+          </a:p>
+        </p:txBody>
+      </p:sp>
+      <p:sp>
+        <p:nvSpPr>
+          <p:cNvPr id="7" name="Date Placeholder 6"/>
           <p:cNvSpPr>
             <a:spLocks noGrp="1"/>
           </p:cNvSpPr>
@@ -1825,13 +1986,7 @@
       </p:sp>
       <p:sp>
         <p:nvSpPr>
-          <p:cNvPr id="8" name="Footer Placeholder 7">
-            <a:extLst>
-              <a:ext uri="{FF2B5EF4-FFF2-40B4-BE49-F238E27FC236}">
-                <a16:creationId xmlns:a16="http://schemas.microsoft.com/office/drawing/2014/main" id="{CDE05AE5-CD10-4BC2-A3E4-1F1275C436E4}"/>
-              </a:ext>
-            </a:extLst>
-          </p:cNvPr>
+          <p:cNvPr id="8" name="Footer Placeholder 7"/>
           <p:cNvSpPr>
             <a:spLocks noGrp="1"/>
           </p:cNvSpPr>
@@ -1850,13 +2005,7 @@
       </p:sp>
       <p:sp>
         <p:nvSpPr>
-          <p:cNvPr id="9" name="Slide Number Placeholder 8">
-            <a:extLst>
-              <a:ext uri="{FF2B5EF4-FFF2-40B4-BE49-F238E27FC236}">
-                <a16:creationId xmlns:a16="http://schemas.microsoft.com/office/drawing/2014/main" id="{32AFC52D-135B-48EF-A477-0F05750539D5}"/>
-              </a:ext>
-            </a:extLst>
-          </p:cNvPr>
+          <p:cNvPr id="9" name="Slide Number Placeholder 8"/>
           <p:cNvSpPr>
             <a:spLocks noGrp="1"/>
           </p:cNvSpPr>
@@ -1880,7 +2029,7 @@
     </p:spTree>
     <p:extLst>
       <p:ext uri="{BB962C8B-B14F-4D97-AF65-F5344CB8AC3E}">
-        <p14:creationId xmlns:p14="http://schemas.microsoft.com/office/powerpoint/2010/main" val="883196273"/>
+        <p14:creationId xmlns:p14="http://schemas.microsoft.com/office/powerpoint/2010/main" val="2211583727"/>
       </p:ext>
     </p:extLst>
   </p:cSld>
@@ -1909,13 +2058,7 @@
       </p:grpSpPr>
       <p:sp>
         <p:nvSpPr>
-          <p:cNvPr id="2" name="Title 1">
-            <a:extLst>
-              <a:ext uri="{FF2B5EF4-FFF2-40B4-BE49-F238E27FC236}">
-                <a16:creationId xmlns:a16="http://schemas.microsoft.com/office/drawing/2014/main" id="{74C50EB6-55A1-4E66-B94C-5401279B082C}"/>
-              </a:ext>
-            </a:extLst>
-          </p:cNvPr>
+          <p:cNvPr id="2" name="Title 1"/>
           <p:cNvSpPr>
             <a:spLocks noGrp="1"/>
           </p:cNvSpPr>
@@ -1932,18 +2075,13 @@
               <a:rPr lang="en-US"/>
               <a:t>Click to edit Master title style</a:t>
             </a:r>
-          </a:p>
-        </p:txBody>
-      </p:sp>
-      <p:sp>
-        <p:nvSpPr>
-          <p:cNvPr id="3" name="Date Placeholder 2">
-            <a:extLst>
-              <a:ext uri="{FF2B5EF4-FFF2-40B4-BE49-F238E27FC236}">
-                <a16:creationId xmlns:a16="http://schemas.microsoft.com/office/drawing/2014/main" id="{A9BAE7A2-BD27-45B9-BB05-6DAC41F66D05}"/>
-              </a:ext>
-            </a:extLst>
-          </p:cNvPr>
+            <a:endParaRPr lang="en-US" dirty="0"/>
+          </a:p>
+        </p:txBody>
+      </p:sp>
+      <p:sp>
+        <p:nvSpPr>
+          <p:cNvPr id="3" name="Date Placeholder 2"/>
           <p:cNvSpPr>
             <a:spLocks noGrp="1"/>
           </p:cNvSpPr>
@@ -1966,13 +2104,7 @@
       </p:sp>
       <p:sp>
         <p:nvSpPr>
-          <p:cNvPr id="4" name="Footer Placeholder 3">
-            <a:extLst>
-              <a:ext uri="{FF2B5EF4-FFF2-40B4-BE49-F238E27FC236}">
-                <a16:creationId xmlns:a16="http://schemas.microsoft.com/office/drawing/2014/main" id="{421455D0-31F9-4BB5-853F-5AA5140861CE}"/>
-              </a:ext>
-            </a:extLst>
-          </p:cNvPr>
+          <p:cNvPr id="4" name="Footer Placeholder 3"/>
           <p:cNvSpPr>
             <a:spLocks noGrp="1"/>
           </p:cNvSpPr>
@@ -1991,13 +2123,7 @@
       </p:sp>
       <p:sp>
         <p:nvSpPr>
-          <p:cNvPr id="5" name="Slide Number Placeholder 4">
-            <a:extLst>
-              <a:ext uri="{FF2B5EF4-FFF2-40B4-BE49-F238E27FC236}">
-                <a16:creationId xmlns:a16="http://schemas.microsoft.com/office/drawing/2014/main" id="{ACC73566-D585-448C-B9A3-E75701198BAF}"/>
-              </a:ext>
-            </a:extLst>
-          </p:cNvPr>
+          <p:cNvPr id="5" name="Slide Number Placeholder 4"/>
           <p:cNvSpPr>
             <a:spLocks noGrp="1"/>
           </p:cNvSpPr>
@@ -2021,7 +2147,7 @@
     </p:spTree>
     <p:extLst>
       <p:ext uri="{BB962C8B-B14F-4D97-AF65-F5344CB8AC3E}">
-        <p14:creationId xmlns:p14="http://schemas.microsoft.com/office/powerpoint/2010/main" val="2129674332"/>
+        <p14:creationId xmlns:p14="http://schemas.microsoft.com/office/powerpoint/2010/main" val="1570700831"/>
       </p:ext>
     </p:extLst>
   </p:cSld>
@@ -2032,7 +2158,7 @@
 </file>
 
 <file path=ppt/slideLayouts/slideLayout7.xml><?xml version="1.0" encoding="utf-8"?>
-<p:sldLayout xmlns:a="http://schemas.openxmlformats.org/drawingml/2006/main" xmlns:r="http://schemas.openxmlformats.org/officeDocument/2006/relationships" xmlns:p="http://schemas.openxmlformats.org/presentationml/2006/main" type="blank" preserve="1">
+<p:sldLayout xmlns:a="http://schemas.openxmlformats.org/drawingml/2006/main" xmlns:r="http://schemas.openxmlformats.org/officeDocument/2006/relationships" xmlns:p="http://schemas.openxmlformats.org/presentationml/2006/main" showMasterSp="0" type="blank" preserve="1">
   <p:cSld name="Blank">
     <p:spTree>
       <p:nvGrpSpPr>
@@ -2050,13 +2176,83 @@
       </p:grpSpPr>
       <p:sp>
         <p:nvSpPr>
-          <p:cNvPr id="2" name="Date Placeholder 1">
-            <a:extLst>
-              <a:ext uri="{FF2B5EF4-FFF2-40B4-BE49-F238E27FC236}">
-                <a16:creationId xmlns:a16="http://schemas.microsoft.com/office/drawing/2014/main" id="{E8123ECC-C807-4F4B-9922-6207F6F154FD}"/>
-              </a:ext>
-            </a:extLst>
-          </p:cNvPr>
+          <p:cNvPr id="5" name="Rectangle 4"/>
+          <p:cNvSpPr/>
+          <p:nvPr/>
+        </p:nvSpPr>
+        <p:spPr>
+          <a:xfrm>
+            <a:off x="3175" y="6400800"/>
+            <a:ext cx="12188825" cy="457200"/>
+          </a:xfrm>
+          <a:prstGeom prst="rect">
+            <a:avLst/>
+          </a:prstGeom>
+          <a:solidFill>
+            <a:schemeClr val="accent2"/>
+          </a:solidFill>
+          <a:ln>
+            <a:noFill/>
+          </a:ln>
+        </p:spPr>
+        <p:style>
+          <a:lnRef idx="2">
+            <a:schemeClr val="accent1">
+              <a:shade val="50000"/>
+            </a:schemeClr>
+          </a:lnRef>
+          <a:fillRef idx="1">
+            <a:schemeClr val="accent1"/>
+          </a:fillRef>
+          <a:effectRef idx="0">
+            <a:schemeClr val="accent1"/>
+          </a:effectRef>
+          <a:fontRef idx="minor">
+            <a:schemeClr val="lt1"/>
+          </a:fontRef>
+        </p:style>
+      </p:sp>
+      <p:sp>
+        <p:nvSpPr>
+          <p:cNvPr id="6" name="Rectangle 5"/>
+          <p:cNvSpPr/>
+          <p:nvPr/>
+        </p:nvSpPr>
+        <p:spPr>
+          <a:xfrm>
+            <a:off x="15" y="6334316"/>
+            <a:ext cx="12188825" cy="64008"/>
+          </a:xfrm>
+          <a:prstGeom prst="rect">
+            <a:avLst/>
+          </a:prstGeom>
+          <a:solidFill>
+            <a:schemeClr val="accent1"/>
+          </a:solidFill>
+          <a:ln>
+            <a:noFill/>
+          </a:ln>
+        </p:spPr>
+        <p:style>
+          <a:lnRef idx="2">
+            <a:schemeClr val="accent1">
+              <a:shade val="50000"/>
+            </a:schemeClr>
+          </a:lnRef>
+          <a:fillRef idx="1">
+            <a:schemeClr val="accent1"/>
+          </a:fillRef>
+          <a:effectRef idx="0">
+            <a:schemeClr val="accent1"/>
+          </a:effectRef>
+          <a:fontRef idx="minor">
+            <a:schemeClr val="lt1"/>
+          </a:fontRef>
+        </p:style>
+      </p:sp>
+      <p:sp>
+        <p:nvSpPr>
+          <p:cNvPr id="7" name="Date Placeholder 6"/>
           <p:cNvSpPr>
             <a:spLocks noGrp="1"/>
           </p:cNvSpPr>
@@ -2079,13 +2275,7 @@
       </p:sp>
       <p:sp>
         <p:nvSpPr>
-          <p:cNvPr id="3" name="Footer Placeholder 2">
-            <a:extLst>
-              <a:ext uri="{FF2B5EF4-FFF2-40B4-BE49-F238E27FC236}">
-                <a16:creationId xmlns:a16="http://schemas.microsoft.com/office/drawing/2014/main" id="{4B68CD5A-0996-434D-B3F4-AB9788BD61FB}"/>
-              </a:ext>
-            </a:extLst>
-          </p:cNvPr>
+          <p:cNvPr id="8" name="Footer Placeholder 7"/>
           <p:cNvSpPr>
             <a:spLocks noGrp="1"/>
           </p:cNvSpPr>
@@ -2096,7 +2286,15 @@
         <p:spPr/>
         <p:txBody>
           <a:bodyPr/>
-          <a:lstStyle/>
+          <a:lstStyle>
+            <a:lvl1pPr>
+              <a:defRPr>
+                <a:solidFill>
+                  <a:srgbClr val="FFFFFF"/>
+                </a:solidFill>
+              </a:defRPr>
+            </a:lvl1pPr>
+          </a:lstStyle>
           <a:p>
             <a:endParaRPr lang="en-US"/>
           </a:p>
@@ -2104,13 +2302,7 @@
       </p:sp>
       <p:sp>
         <p:nvSpPr>
-          <p:cNvPr id="4" name="Slide Number Placeholder 3">
-            <a:extLst>
-              <a:ext uri="{FF2B5EF4-FFF2-40B4-BE49-F238E27FC236}">
-                <a16:creationId xmlns:a16="http://schemas.microsoft.com/office/drawing/2014/main" id="{1D105AAD-745E-43B8-9BF0-B6E613590F78}"/>
-              </a:ext>
-            </a:extLst>
-          </p:cNvPr>
+          <p:cNvPr id="9" name="Slide Number Placeholder 8"/>
           <p:cNvSpPr>
             <a:spLocks noGrp="1"/>
           </p:cNvSpPr>
@@ -2134,7 +2326,7 @@
     </p:spTree>
     <p:extLst>
       <p:ext uri="{BB962C8B-B14F-4D97-AF65-F5344CB8AC3E}">
-        <p14:creationId xmlns:p14="http://schemas.microsoft.com/office/powerpoint/2010/main" val="572831431"/>
+        <p14:creationId xmlns:p14="http://schemas.microsoft.com/office/powerpoint/2010/main" val="756223911"/>
       </p:ext>
     </p:extLst>
   </p:cSld>
@@ -2145,7 +2337,7 @@
 </file>
 
 <file path=ppt/slideLayouts/slideLayout8.xml><?xml version="1.0" encoding="utf-8"?>
-<p:sldLayout xmlns:a="http://schemas.openxmlformats.org/drawingml/2006/main" xmlns:r="http://schemas.openxmlformats.org/officeDocument/2006/relationships" xmlns:p="http://schemas.openxmlformats.org/presentationml/2006/main" type="objTx" preserve="1">
+<p:sldLayout xmlns:a="http://schemas.openxmlformats.org/drawingml/2006/main" xmlns:r="http://schemas.openxmlformats.org/officeDocument/2006/relationships" xmlns:p="http://schemas.openxmlformats.org/presentationml/2006/main" showMasterSp="0" type="objTx" preserve="1">
   <p:cSld name="Content with Caption">
     <p:spTree>
       <p:nvGrpSpPr>
@@ -2163,31 +2355,107 @@
       </p:grpSpPr>
       <p:sp>
         <p:nvSpPr>
-          <p:cNvPr id="2" name="Title 1">
-            <a:extLst>
-              <a:ext uri="{FF2B5EF4-FFF2-40B4-BE49-F238E27FC236}">
-                <a16:creationId xmlns:a16="http://schemas.microsoft.com/office/drawing/2014/main" id="{545F4214-A903-46A9-A0E9-853D607A0D02}"/>
-              </a:ext>
-            </a:extLst>
-          </p:cNvPr>
-          <p:cNvSpPr>
-            <a:spLocks noGrp="1"/>
-          </p:cNvSpPr>
-          <p:nvPr>
-            <p:ph type="title"/>
-          </p:nvPr>
+          <p:cNvPr id="8" name="Rectangle 7"/>
+          <p:cNvSpPr/>
+          <p:nvPr/>
         </p:nvSpPr>
         <p:spPr>
           <a:xfrm>
-            <a:off x="839788" y="457200"/>
-            <a:ext cx="3932237" cy="1600200"/>
+            <a:off x="16" y="0"/>
+            <a:ext cx="4050791" cy="6858000"/>
+          </a:xfrm>
+          <a:prstGeom prst="rect">
+            <a:avLst/>
+          </a:prstGeom>
+          <a:solidFill>
+            <a:schemeClr val="accent2"/>
+          </a:solidFill>
+          <a:ln>
+            <a:noFill/>
+          </a:ln>
+        </p:spPr>
+        <p:style>
+          <a:lnRef idx="2">
+            <a:schemeClr val="accent1">
+              <a:shade val="50000"/>
+            </a:schemeClr>
+          </a:lnRef>
+          <a:fillRef idx="1">
+            <a:schemeClr val="accent1"/>
+          </a:fillRef>
+          <a:effectRef idx="0">
+            <a:schemeClr val="accent1"/>
+          </a:effectRef>
+          <a:fontRef idx="minor">
+            <a:schemeClr val="lt1"/>
+          </a:fontRef>
+        </p:style>
+      </p:sp>
+      <p:sp>
+        <p:nvSpPr>
+          <p:cNvPr id="9" name="Rectangle 8"/>
+          <p:cNvSpPr/>
+          <p:nvPr/>
+        </p:nvSpPr>
+        <p:spPr>
+          <a:xfrm>
+            <a:off x="4040071" y="0"/>
+            <a:ext cx="64008" cy="6858000"/>
+          </a:xfrm>
+          <a:prstGeom prst="rect">
+            <a:avLst/>
+          </a:prstGeom>
+          <a:solidFill>
+            <a:schemeClr val="accent1"/>
+          </a:solidFill>
+          <a:ln>
+            <a:noFill/>
+          </a:ln>
+        </p:spPr>
+        <p:style>
+          <a:lnRef idx="2">
+            <a:schemeClr val="accent1">
+              <a:shade val="50000"/>
+            </a:schemeClr>
+          </a:lnRef>
+          <a:fillRef idx="1">
+            <a:schemeClr val="accent1"/>
+          </a:fillRef>
+          <a:effectRef idx="0">
+            <a:schemeClr val="accent1"/>
+          </a:effectRef>
+          <a:fontRef idx="minor">
+            <a:schemeClr val="lt1"/>
+          </a:fontRef>
+        </p:style>
+      </p:sp>
+      <p:sp>
+        <p:nvSpPr>
+          <p:cNvPr id="2" name="Title 1"/>
+          <p:cNvSpPr>
+            <a:spLocks noGrp="1"/>
+          </p:cNvSpPr>
+          <p:nvPr>
+            <p:ph type="title"/>
+          </p:nvPr>
+        </p:nvSpPr>
+        <p:spPr>
+          <a:xfrm>
+            <a:off x="457200" y="594359"/>
+            <a:ext cx="3200400" cy="2286000"/>
           </a:xfrm>
         </p:spPr>
         <p:txBody>
-          <a:bodyPr anchor="b"/>
+          <a:bodyPr anchor="b">
+            <a:normAutofit/>
+          </a:bodyPr>
           <a:lstStyle>
             <a:lvl1pPr>
-              <a:defRPr sz="3200"/>
+              <a:defRPr sz="3600" b="0">
+                <a:solidFill>
+                  <a:srgbClr val="FFFFFF"/>
+                </a:solidFill>
+              </a:defRPr>
             </a:lvl1pPr>
           </a:lstStyle>
           <a:p>
@@ -2195,18 +2463,13 @@
               <a:rPr lang="en-US"/>
               <a:t>Click to edit Master title style</a:t>
             </a:r>
-          </a:p>
-        </p:txBody>
-      </p:sp>
-      <p:sp>
-        <p:nvSpPr>
-          <p:cNvPr id="3" name="Content Placeholder 2">
-            <a:extLst>
-              <a:ext uri="{FF2B5EF4-FFF2-40B4-BE49-F238E27FC236}">
-                <a16:creationId xmlns:a16="http://schemas.microsoft.com/office/drawing/2014/main" id="{67ABB270-92C3-4239-A028-0EE4EDFB6892}"/>
-              </a:ext>
-            </a:extLst>
-          </p:cNvPr>
+            <a:endParaRPr lang="en-US" dirty="0"/>
+          </a:p>
+        </p:txBody>
+      </p:sp>
+      <p:sp>
+        <p:nvSpPr>
+          <p:cNvPr id="3" name="Content Placeholder 2"/>
           <p:cNvSpPr>
             <a:spLocks noGrp="1"/>
           </p:cNvSpPr>
@@ -2216,39 +2479,111 @@
         </p:nvSpPr>
         <p:spPr>
           <a:xfrm>
-            <a:off x="5183188" y="987425"/>
-            <a:ext cx="6172200" cy="4873625"/>
+            <a:off x="4800600" y="731520"/>
+            <a:ext cx="6492240" cy="5257800"/>
           </a:xfrm>
         </p:spPr>
         <p:txBody>
           <a:bodyPr/>
+          <a:lstStyle/>
+          <a:p>
+            <a:pPr lvl="0"/>
+            <a:r>
+              <a:rPr lang="en-US"/>
+              <a:t>Edit Master text styles</a:t>
+            </a:r>
+          </a:p>
+          <a:p>
+            <a:pPr lvl="1"/>
+            <a:r>
+              <a:rPr lang="en-US"/>
+              <a:t>Second level</a:t>
+            </a:r>
+          </a:p>
+          <a:p>
+            <a:pPr lvl="2"/>
+            <a:r>
+              <a:rPr lang="en-US"/>
+              <a:t>Third level</a:t>
+            </a:r>
+          </a:p>
+          <a:p>
+            <a:pPr lvl="3"/>
+            <a:r>
+              <a:rPr lang="en-US"/>
+              <a:t>Fourth level</a:t>
+            </a:r>
+          </a:p>
+          <a:p>
+            <a:pPr lvl="4"/>
+            <a:r>
+              <a:rPr lang="en-US"/>
+              <a:t>Fifth level</a:t>
+            </a:r>
+            <a:endParaRPr lang="en-US" dirty="0"/>
+          </a:p>
+        </p:txBody>
+      </p:sp>
+      <p:sp>
+        <p:nvSpPr>
+          <p:cNvPr id="4" name="Text Placeholder 3"/>
+          <p:cNvSpPr>
+            <a:spLocks noGrp="1"/>
+          </p:cNvSpPr>
+          <p:nvPr>
+            <p:ph type="body" sz="half" idx="2"/>
+          </p:nvPr>
+        </p:nvSpPr>
+        <p:spPr>
+          <a:xfrm>
+            <a:off x="457200" y="2926080"/>
+            <a:ext cx="3200400" cy="3379124"/>
+          </a:xfrm>
+        </p:spPr>
+        <p:txBody>
+          <a:bodyPr lIns="91440" rIns="91440">
+            <a:normAutofit/>
+          </a:bodyPr>
           <a:lstStyle>
-            <a:lvl1pPr>
-              <a:defRPr sz="3200"/>
+            <a:lvl1pPr marL="0" indent="0">
+              <a:buNone/>
+              <a:defRPr sz="1500">
+                <a:solidFill>
+                  <a:srgbClr val="FFFFFF"/>
+                </a:solidFill>
+              </a:defRPr>
             </a:lvl1pPr>
-            <a:lvl2pPr>
-              <a:defRPr sz="2800"/>
+            <a:lvl2pPr marL="457200" indent="0">
+              <a:buNone/>
+              <a:defRPr sz="1200"/>
             </a:lvl2pPr>
-            <a:lvl3pPr>
-              <a:defRPr sz="2400"/>
+            <a:lvl3pPr marL="914400" indent="0">
+              <a:buNone/>
+              <a:defRPr sz="1000"/>
             </a:lvl3pPr>
-            <a:lvl4pPr>
-              <a:defRPr sz="2000"/>
+            <a:lvl4pPr marL="1371600" indent="0">
+              <a:buNone/>
+              <a:defRPr sz="900"/>
             </a:lvl4pPr>
-            <a:lvl5pPr>
-              <a:defRPr sz="2000"/>
+            <a:lvl5pPr marL="1828800" indent="0">
+              <a:buNone/>
+              <a:defRPr sz="900"/>
             </a:lvl5pPr>
-            <a:lvl6pPr>
-              <a:defRPr sz="2000"/>
+            <a:lvl6pPr marL="2286000" indent="0">
+              <a:buNone/>
+              <a:defRPr sz="900"/>
             </a:lvl6pPr>
-            <a:lvl7pPr>
-              <a:defRPr sz="2000"/>
+            <a:lvl7pPr marL="2743200" indent="0">
+              <a:buNone/>
+              <a:defRPr sz="900"/>
             </a:lvl7pPr>
-            <a:lvl8pPr>
-              <a:defRPr sz="2000"/>
+            <a:lvl8pPr marL="3200400" indent="0">
+              <a:buNone/>
+              <a:defRPr sz="900"/>
             </a:lvl8pPr>
-            <a:lvl9pPr>
-              <a:defRPr sz="2000"/>
+            <a:lvl9pPr marL="3657600" indent="0">
+              <a:buNone/>
+              <a:defRPr sz="900"/>
             </a:lvl9pPr>
           </a:lstStyle>
           <a:p>
@@ -2258,127 +2593,31 @@
               <a:t>Edit Master text styles</a:t>
             </a:r>
           </a:p>
-          <a:p>
-            <a:pPr lvl="1"/>
-            <a:r>
-              <a:rPr lang="en-US"/>
-              <a:t>Second level</a:t>
-            </a:r>
-          </a:p>
-          <a:p>
-            <a:pPr lvl="2"/>
-            <a:r>
-              <a:rPr lang="en-US"/>
-              <a:t>Third level</a:t>
-            </a:r>
-          </a:p>
-          <a:p>
-            <a:pPr lvl="3"/>
-            <a:r>
-              <a:rPr lang="en-US"/>
-              <a:t>Fourth level</a:t>
-            </a:r>
-          </a:p>
-          <a:p>
-            <a:pPr lvl="4"/>
-            <a:r>
-              <a:rPr lang="en-US"/>
-              <a:t>Fifth level</a:t>
-            </a:r>
-          </a:p>
-        </p:txBody>
-      </p:sp>
-      <p:sp>
-        <p:nvSpPr>
-          <p:cNvPr id="4" name="Text Placeholder 3">
-            <a:extLst>
-              <a:ext uri="{FF2B5EF4-FFF2-40B4-BE49-F238E27FC236}">
-                <a16:creationId xmlns:a16="http://schemas.microsoft.com/office/drawing/2014/main" id="{B96F1F26-7A3C-454E-A527-A67C2361E9C4}"/>
-              </a:ext>
-            </a:extLst>
-          </p:cNvPr>
-          <p:cNvSpPr>
-            <a:spLocks noGrp="1"/>
-          </p:cNvSpPr>
-          <p:nvPr>
-            <p:ph type="body" sz="half" idx="2"/>
+        </p:txBody>
+      </p:sp>
+      <p:sp>
+        <p:nvSpPr>
+          <p:cNvPr id="5" name="Date Placeholder 4"/>
+          <p:cNvSpPr>
+            <a:spLocks noGrp="1"/>
+          </p:cNvSpPr>
+          <p:nvPr>
+            <p:ph type="dt" sz="half" idx="10"/>
           </p:nvPr>
         </p:nvSpPr>
         <p:spPr>
           <a:xfrm>
-            <a:off x="839788" y="2057400"/>
-            <a:ext cx="3932237" cy="3811588"/>
+            <a:off x="465512" y="6459785"/>
+            <a:ext cx="2618510" cy="365125"/>
           </a:xfrm>
         </p:spPr>
         <p:txBody>
           <a:bodyPr/>
           <a:lstStyle>
-            <a:lvl1pPr marL="0" indent="0">
-              <a:buNone/>
-              <a:defRPr sz="1600"/>
+            <a:lvl1pPr algn="l">
+              <a:defRPr/>
             </a:lvl1pPr>
-            <a:lvl2pPr marL="457200" indent="0">
-              <a:buNone/>
-              <a:defRPr sz="1400"/>
-            </a:lvl2pPr>
-            <a:lvl3pPr marL="914400" indent="0">
-              <a:buNone/>
-              <a:defRPr sz="1200"/>
-            </a:lvl3pPr>
-            <a:lvl4pPr marL="1371600" indent="0">
-              <a:buNone/>
-              <a:defRPr sz="1000"/>
-            </a:lvl4pPr>
-            <a:lvl5pPr marL="1828800" indent="0">
-              <a:buNone/>
-              <a:defRPr sz="1000"/>
-            </a:lvl5pPr>
-            <a:lvl6pPr marL="2286000" indent="0">
-              <a:buNone/>
-              <a:defRPr sz="1000"/>
-            </a:lvl6pPr>
-            <a:lvl7pPr marL="2743200" indent="0">
-              <a:buNone/>
-              <a:defRPr sz="1000"/>
-            </a:lvl7pPr>
-            <a:lvl8pPr marL="3200400" indent="0">
-              <a:buNone/>
-              <a:defRPr sz="1000"/>
-            </a:lvl8pPr>
-            <a:lvl9pPr marL="3657600" indent="0">
-              <a:buNone/>
-              <a:defRPr sz="1000"/>
-            </a:lvl9pPr>
           </a:lstStyle>
-          <a:p>
-            <a:pPr lvl="0"/>
-            <a:r>
-              <a:rPr lang="en-US"/>
-              <a:t>Edit Master text styles</a:t>
-            </a:r>
-          </a:p>
-        </p:txBody>
-      </p:sp>
-      <p:sp>
-        <p:nvSpPr>
-          <p:cNvPr id="5" name="Date Placeholder 4">
-            <a:extLst>
-              <a:ext uri="{FF2B5EF4-FFF2-40B4-BE49-F238E27FC236}">
-                <a16:creationId xmlns:a16="http://schemas.microsoft.com/office/drawing/2014/main" id="{FDF22243-241C-4D3E-8BCC-296A828A55DE}"/>
-              </a:ext>
-            </a:extLst>
-          </p:cNvPr>
-          <p:cNvSpPr>
-            <a:spLocks noGrp="1"/>
-          </p:cNvSpPr>
-          <p:nvPr>
-            <p:ph type="dt" sz="half" idx="10"/>
-          </p:nvPr>
-        </p:nvSpPr>
-        <p:spPr/>
-        <p:txBody>
-          <a:bodyPr/>
-          <a:lstStyle/>
           <a:p>
             <a:fld id="{DCBB34C8-D106-4603-BB73-A28D559F55B8}" type="datetimeFigureOut">
               <a:rPr lang="en-US" smtClean="0"/>
@@ -2390,13 +2629,7 @@
       </p:sp>
       <p:sp>
         <p:nvSpPr>
-          <p:cNvPr id="6" name="Footer Placeholder 5">
-            <a:extLst>
-              <a:ext uri="{FF2B5EF4-FFF2-40B4-BE49-F238E27FC236}">
-                <a16:creationId xmlns:a16="http://schemas.microsoft.com/office/drawing/2014/main" id="{29836A6E-F2F6-4C79-A9C3-939B340328B0}"/>
-              </a:ext>
-            </a:extLst>
-          </p:cNvPr>
+          <p:cNvPr id="6" name="Footer Placeholder 5"/>
           <p:cNvSpPr>
             <a:spLocks noGrp="1"/>
           </p:cNvSpPr>
@@ -2404,35 +2637,50 @@
             <p:ph type="ftr" sz="quarter" idx="11"/>
           </p:nvPr>
         </p:nvSpPr>
+        <p:spPr>
+          <a:xfrm>
+            <a:off x="4800600" y="6459785"/>
+            <a:ext cx="4648200" cy="365125"/>
+          </a:xfrm>
+        </p:spPr>
+        <p:txBody>
+          <a:bodyPr/>
+          <a:lstStyle>
+            <a:lvl1pPr algn="l">
+              <a:defRPr>
+                <a:solidFill>
+                  <a:schemeClr val="tx2"/>
+                </a:solidFill>
+              </a:defRPr>
+            </a:lvl1pPr>
+          </a:lstStyle>
+          <a:p>
+            <a:endParaRPr lang="en-US"/>
+          </a:p>
+        </p:txBody>
+      </p:sp>
+      <p:sp>
+        <p:nvSpPr>
+          <p:cNvPr id="7" name="Slide Number Placeholder 6"/>
+          <p:cNvSpPr>
+            <a:spLocks noGrp="1"/>
+          </p:cNvSpPr>
+          <p:nvPr>
+            <p:ph type="sldNum" sz="quarter" idx="12"/>
+          </p:nvPr>
+        </p:nvSpPr>
         <p:spPr/>
         <p:txBody>
           <a:bodyPr/>
-          <a:lstStyle/>
-          <a:p>
-            <a:endParaRPr lang="en-US"/>
-          </a:p>
-        </p:txBody>
-      </p:sp>
-      <p:sp>
-        <p:nvSpPr>
-          <p:cNvPr id="7" name="Slide Number Placeholder 6">
-            <a:extLst>
-              <a:ext uri="{FF2B5EF4-FFF2-40B4-BE49-F238E27FC236}">
-                <a16:creationId xmlns:a16="http://schemas.microsoft.com/office/drawing/2014/main" id="{C0B44D90-A54A-4215-8C98-6BA1974D94B8}"/>
-              </a:ext>
-            </a:extLst>
-          </p:cNvPr>
-          <p:cNvSpPr>
-            <a:spLocks noGrp="1"/>
-          </p:cNvSpPr>
-          <p:nvPr>
-            <p:ph type="sldNum" sz="quarter" idx="12"/>
-          </p:nvPr>
-        </p:nvSpPr>
-        <p:spPr/>
-        <p:txBody>
-          <a:bodyPr/>
-          <a:lstStyle/>
+          <a:lstStyle>
+            <a:lvl1pPr>
+              <a:defRPr>
+                <a:solidFill>
+                  <a:schemeClr val="tx2"/>
+                </a:solidFill>
+              </a:defRPr>
+            </a:lvl1pPr>
+          </a:lstStyle>
           <a:p>
             <a:fld id="{A64E81C3-EB34-4372-BDF0-2958A97A89B1}" type="slidenum">
               <a:rPr lang="en-US" smtClean="0"/>
@@ -2445,7 +2693,7 @@
     </p:spTree>
     <p:extLst>
       <p:ext uri="{BB962C8B-B14F-4D97-AF65-F5344CB8AC3E}">
-        <p14:creationId xmlns:p14="http://schemas.microsoft.com/office/powerpoint/2010/main" val="1380596277"/>
+        <p14:creationId xmlns:p14="http://schemas.microsoft.com/office/powerpoint/2010/main" val="2250288218"/>
       </p:ext>
     </p:extLst>
   </p:cSld>
@@ -2456,7 +2704,7 @@
 </file>
 
 <file path=ppt/slideLayouts/slideLayout9.xml><?xml version="1.0" encoding="utf-8"?>
-<p:sldLayout xmlns:a="http://schemas.openxmlformats.org/drawingml/2006/main" xmlns:r="http://schemas.openxmlformats.org/officeDocument/2006/relationships" xmlns:p="http://schemas.openxmlformats.org/presentationml/2006/main" type="picTx" preserve="1">
+<p:sldLayout xmlns:a="http://schemas.openxmlformats.org/drawingml/2006/main" xmlns:r="http://schemas.openxmlformats.org/officeDocument/2006/relationships" xmlns:p="http://schemas.openxmlformats.org/presentationml/2006/main" showMasterSp="0" type="picTx" preserve="1">
   <p:cSld name="Picture with Caption">
     <p:spTree>
       <p:nvGrpSpPr>
@@ -2474,31 +2722,107 @@
       </p:grpSpPr>
       <p:sp>
         <p:nvSpPr>
-          <p:cNvPr id="2" name="Title 1">
-            <a:extLst>
-              <a:ext uri="{FF2B5EF4-FFF2-40B4-BE49-F238E27FC236}">
-                <a16:creationId xmlns:a16="http://schemas.microsoft.com/office/drawing/2014/main" id="{7DB7D849-1129-4836-8ADA-654D8FAF55B6}"/>
-              </a:ext>
-            </a:extLst>
-          </p:cNvPr>
-          <p:cNvSpPr>
-            <a:spLocks noGrp="1"/>
-          </p:cNvSpPr>
-          <p:nvPr>
-            <p:ph type="title"/>
-          </p:nvPr>
+          <p:cNvPr id="8" name="Rectangle 7"/>
+          <p:cNvSpPr/>
+          <p:nvPr/>
         </p:nvSpPr>
         <p:spPr>
           <a:xfrm>
-            <a:off x="839788" y="457200"/>
-            <a:ext cx="3932237" cy="1600200"/>
+            <a:off x="0" y="4953000"/>
+            <a:ext cx="12188825" cy="1905000"/>
+          </a:xfrm>
+          <a:prstGeom prst="rect">
+            <a:avLst/>
+          </a:prstGeom>
+          <a:solidFill>
+            <a:schemeClr val="accent2"/>
+          </a:solidFill>
+          <a:ln>
+            <a:noFill/>
+          </a:ln>
+        </p:spPr>
+        <p:style>
+          <a:lnRef idx="2">
+            <a:schemeClr val="accent1">
+              <a:shade val="50000"/>
+            </a:schemeClr>
+          </a:lnRef>
+          <a:fillRef idx="1">
+            <a:schemeClr val="accent1"/>
+          </a:fillRef>
+          <a:effectRef idx="0">
+            <a:schemeClr val="accent1"/>
+          </a:effectRef>
+          <a:fontRef idx="minor">
+            <a:schemeClr val="lt1"/>
+          </a:fontRef>
+        </p:style>
+      </p:sp>
+      <p:sp>
+        <p:nvSpPr>
+          <p:cNvPr id="9" name="Rectangle 8"/>
+          <p:cNvSpPr/>
+          <p:nvPr/>
+        </p:nvSpPr>
+        <p:spPr>
+          <a:xfrm>
+            <a:off x="15" y="4915076"/>
+            <a:ext cx="12188825" cy="64008"/>
+          </a:xfrm>
+          <a:prstGeom prst="rect">
+            <a:avLst/>
+          </a:prstGeom>
+          <a:solidFill>
+            <a:schemeClr val="accent1"/>
+          </a:solidFill>
+          <a:ln>
+            <a:noFill/>
+          </a:ln>
+        </p:spPr>
+        <p:style>
+          <a:lnRef idx="2">
+            <a:schemeClr val="accent1">
+              <a:shade val="50000"/>
+            </a:schemeClr>
+          </a:lnRef>
+          <a:fillRef idx="1">
+            <a:schemeClr val="accent1"/>
+          </a:fillRef>
+          <a:effectRef idx="0">
+            <a:schemeClr val="accent1"/>
+          </a:effectRef>
+          <a:fontRef idx="minor">
+            <a:schemeClr val="lt1"/>
+          </a:fontRef>
+        </p:style>
+      </p:sp>
+      <p:sp>
+        <p:nvSpPr>
+          <p:cNvPr id="2" name="Title 1"/>
+          <p:cNvSpPr>
+            <a:spLocks noGrp="1"/>
+          </p:cNvSpPr>
+          <p:nvPr>
+            <p:ph type="title"/>
+          </p:nvPr>
+        </p:nvSpPr>
+        <p:spPr>
+          <a:xfrm>
+            <a:off x="1097280" y="5074920"/>
+            <a:ext cx="10113645" cy="822960"/>
           </a:xfrm>
         </p:spPr>
         <p:txBody>
-          <a:bodyPr anchor="b"/>
+          <a:bodyPr tIns="0" bIns="0" anchor="b">
+            <a:noAutofit/>
+          </a:bodyPr>
           <a:lstStyle>
             <a:lvl1pPr>
-              <a:defRPr sz="3200"/>
+              <a:defRPr sz="3600" b="0">
+                <a:solidFill>
+                  <a:srgbClr val="FFFFFF"/>
+                </a:solidFill>
+              </a:defRPr>
             </a:lvl1pPr>
           </a:lstStyle>
           <a:p>
@@ -2506,20 +2830,15 @@
               <a:rPr lang="en-US"/>
               <a:t>Click to edit Master title style</a:t>
             </a:r>
-          </a:p>
-        </p:txBody>
-      </p:sp>
-      <p:sp>
-        <p:nvSpPr>
-          <p:cNvPr id="3" name="Picture Placeholder 2">
-            <a:extLst>
-              <a:ext uri="{FF2B5EF4-FFF2-40B4-BE49-F238E27FC236}">
-                <a16:creationId xmlns:a16="http://schemas.microsoft.com/office/drawing/2014/main" id="{4249EB26-8849-4476-AF29-085B56A275F5}"/>
-              </a:ext>
-            </a:extLst>
-          </p:cNvPr>
-          <p:cNvSpPr>
-            <a:spLocks noGrp="1"/>
+            <a:endParaRPr lang="en-US" dirty="0"/>
+          </a:p>
+        </p:txBody>
+      </p:sp>
+      <p:sp>
+        <p:nvSpPr>
+          <p:cNvPr id="3" name="Picture Placeholder 2"/>
+          <p:cNvSpPr>
+            <a:spLocks noGrp="1" noChangeAspect="1"/>
           </p:cNvSpPr>
           <p:nvPr>
             <p:ph type="pic" idx="1"/>
@@ -2527,12 +2846,17 @@
         </p:nvSpPr>
         <p:spPr>
           <a:xfrm>
-            <a:off x="5183188" y="987425"/>
-            <a:ext cx="6172200" cy="4873625"/>
+            <a:off x="15" y="0"/>
+            <a:ext cx="12191985" cy="4915076"/>
           </a:xfrm>
+          <a:solidFill>
+            <a:schemeClr val="bg2">
+              <a:lumMod val="90000"/>
+            </a:schemeClr>
+          </a:solidFill>
         </p:spPr>
         <p:txBody>
-          <a:bodyPr/>
+          <a:bodyPr lIns="457200" tIns="457200" anchor="t"/>
           <a:lstStyle>
             <a:lvl1pPr marL="0" indent="0">
               <a:buNone/>
@@ -2572,19 +2896,17 @@
             </a:lvl9pPr>
           </a:lstStyle>
           <a:p>
-            <a:endParaRPr lang="en-US"/>
-          </a:p>
-        </p:txBody>
-      </p:sp>
-      <p:sp>
-        <p:nvSpPr>
-          <p:cNvPr id="4" name="Text Placeholder 3">
-            <a:extLst>
-              <a:ext uri="{FF2B5EF4-FFF2-40B4-BE49-F238E27FC236}">
-                <a16:creationId xmlns:a16="http://schemas.microsoft.com/office/drawing/2014/main" id="{CEBAAC7A-BF4F-49F6-B9A2-68F0CFB71ECB}"/>
-              </a:ext>
-            </a:extLst>
-          </p:cNvPr>
+            <a:r>
+              <a:rPr lang="en-US"/>
+              <a:t>Click icon to add picture</a:t>
+            </a:r>
+            <a:endParaRPr lang="en-US" dirty="0"/>
+          </a:p>
+        </p:txBody>
+      </p:sp>
+      <p:sp>
+        <p:nvSpPr>
+          <p:cNvPr id="4" name="Text Placeholder 3"/>
           <p:cNvSpPr>
             <a:spLocks noGrp="1"/>
           </p:cNvSpPr>
@@ -2594,48 +2916,60 @@
         </p:nvSpPr>
         <p:spPr>
           <a:xfrm>
-            <a:off x="839788" y="2057400"/>
-            <a:ext cx="3932237" cy="3811588"/>
+            <a:off x="1097280" y="5907024"/>
+            <a:ext cx="10113264" cy="594360"/>
           </a:xfrm>
         </p:spPr>
         <p:txBody>
-          <a:bodyPr/>
+          <a:bodyPr lIns="91440" tIns="0" rIns="91440" bIns="0">
+            <a:normAutofit/>
+          </a:bodyPr>
           <a:lstStyle>
             <a:lvl1pPr marL="0" indent="0">
-              <a:buNone/>
-              <a:defRPr sz="1600"/>
+              <a:spcBef>
+                <a:spcPts val="0"/>
+              </a:spcBef>
+              <a:spcAft>
+                <a:spcPts val="600"/>
+              </a:spcAft>
+              <a:buNone/>
+              <a:defRPr sz="1500">
+                <a:solidFill>
+                  <a:srgbClr val="FFFFFF"/>
+                </a:solidFill>
+              </a:defRPr>
             </a:lvl1pPr>
             <a:lvl2pPr marL="457200" indent="0">
               <a:buNone/>
-              <a:defRPr sz="1400"/>
+              <a:defRPr sz="1200"/>
             </a:lvl2pPr>
             <a:lvl3pPr marL="914400" indent="0">
               <a:buNone/>
-              <a:defRPr sz="1200"/>
+              <a:defRPr sz="1000"/>
             </a:lvl3pPr>
             <a:lvl4pPr marL="1371600" indent="0">
               <a:buNone/>
-              <a:defRPr sz="1000"/>
+              <a:defRPr sz="900"/>
             </a:lvl4pPr>
             <a:lvl5pPr marL="1828800" indent="0">
               <a:buNone/>
-              <a:defRPr sz="1000"/>
+              <a:defRPr sz="900"/>
             </a:lvl5pPr>
             <a:lvl6pPr marL="2286000" indent="0">
               <a:buNone/>
-              <a:defRPr sz="1000"/>
+              <a:defRPr sz="900"/>
             </a:lvl6pPr>
             <a:lvl7pPr marL="2743200" indent="0">
               <a:buNone/>
-              <a:defRPr sz="1000"/>
+              <a:defRPr sz="900"/>
             </a:lvl7pPr>
             <a:lvl8pPr marL="3200400" indent="0">
               <a:buNone/>
-              <a:defRPr sz="1000"/>
+              <a:defRPr sz="900"/>
             </a:lvl8pPr>
             <a:lvl9pPr marL="3657600" indent="0">
               <a:buNone/>
-              <a:defRPr sz="1000"/>
+              <a:defRPr sz="900"/>
             </a:lvl9pPr>
           </a:lstStyle>
           <a:p>
@@ -2649,13 +2983,7 @@
       </p:sp>
       <p:sp>
         <p:nvSpPr>
-          <p:cNvPr id="5" name="Date Placeholder 4">
-            <a:extLst>
-              <a:ext uri="{FF2B5EF4-FFF2-40B4-BE49-F238E27FC236}">
-                <a16:creationId xmlns:a16="http://schemas.microsoft.com/office/drawing/2014/main" id="{267D8F1B-4124-4A1A-85A6-5A34910223B5}"/>
-              </a:ext>
-            </a:extLst>
-          </p:cNvPr>
+          <p:cNvPr id="5" name="Date Placeholder 4"/>
           <p:cNvSpPr>
             <a:spLocks noGrp="1"/>
           </p:cNvSpPr>
@@ -2678,13 +3006,7 @@
       </p:sp>
       <p:sp>
         <p:nvSpPr>
-          <p:cNvPr id="6" name="Footer Placeholder 5">
-            <a:extLst>
-              <a:ext uri="{FF2B5EF4-FFF2-40B4-BE49-F238E27FC236}">
-                <a16:creationId xmlns:a16="http://schemas.microsoft.com/office/drawing/2014/main" id="{7EFCF398-EE20-43EA-92C5-DFC3D509706F}"/>
-              </a:ext>
-            </a:extLst>
-          </p:cNvPr>
+          <p:cNvPr id="6" name="Footer Placeholder 5"/>
           <p:cNvSpPr>
             <a:spLocks noGrp="1"/>
           </p:cNvSpPr>
@@ -2703,13 +3025,7 @@
       </p:sp>
       <p:sp>
         <p:nvSpPr>
-          <p:cNvPr id="7" name="Slide Number Placeholder 6">
-            <a:extLst>
-              <a:ext uri="{FF2B5EF4-FFF2-40B4-BE49-F238E27FC236}">
-                <a16:creationId xmlns:a16="http://schemas.microsoft.com/office/drawing/2014/main" id="{890EA278-4C31-4990-9AE7-F252A242166A}"/>
-              </a:ext>
-            </a:extLst>
-          </p:cNvPr>
+          <p:cNvPr id="7" name="Slide Number Placeholder 6"/>
           <p:cNvSpPr>
             <a:spLocks noGrp="1"/>
           </p:cNvSpPr>
@@ -2733,7 +3049,7 @@
     </p:spTree>
     <p:extLst>
       <p:ext uri="{BB962C8B-B14F-4D97-AF65-F5344CB8AC3E}">
-        <p14:creationId xmlns:p14="http://schemas.microsoft.com/office/powerpoint/2010/main" val="4141641591"/>
+        <p14:creationId xmlns:p14="http://schemas.microsoft.com/office/powerpoint/2010/main" val="2196008080"/>
       </p:ext>
     </p:extLst>
   </p:cSld>
@@ -2767,31 +3083,101 @@
       </p:grpSpPr>
       <p:sp>
         <p:nvSpPr>
-          <p:cNvPr id="2" name="Title Placeholder 1">
-            <a:extLst>
-              <a:ext uri="{FF2B5EF4-FFF2-40B4-BE49-F238E27FC236}">
-                <a16:creationId xmlns:a16="http://schemas.microsoft.com/office/drawing/2014/main" id="{98CC9983-1294-4E86-8565-B5486AF39BB8}"/>
-              </a:ext>
-            </a:extLst>
-          </p:cNvPr>
-          <p:cNvSpPr>
-            <a:spLocks noGrp="1"/>
-          </p:cNvSpPr>
-          <p:nvPr>
-            <p:ph type="title"/>
-          </p:nvPr>
+          <p:cNvPr id="7" name="Rectangle 6"/>
+          <p:cNvSpPr/>
+          <p:nvPr/>
         </p:nvSpPr>
         <p:spPr>
           <a:xfrm>
-            <a:off x="838200" y="365125"/>
-            <a:ext cx="10515600" cy="1325563"/>
+            <a:off x="3175" y="6400800"/>
+            <a:ext cx="12188825" cy="457200"/>
+          </a:xfrm>
+          <a:prstGeom prst="rect">
+            <a:avLst/>
+          </a:prstGeom>
+          <a:solidFill>
+            <a:schemeClr val="accent2"/>
+          </a:solidFill>
+          <a:ln>
+            <a:noFill/>
+          </a:ln>
+        </p:spPr>
+        <p:style>
+          <a:lnRef idx="2">
+            <a:schemeClr val="accent1">
+              <a:shade val="50000"/>
+            </a:schemeClr>
+          </a:lnRef>
+          <a:fillRef idx="1">
+            <a:schemeClr val="accent1"/>
+          </a:fillRef>
+          <a:effectRef idx="0">
+            <a:schemeClr val="accent1"/>
+          </a:effectRef>
+          <a:fontRef idx="minor">
+            <a:schemeClr val="lt1"/>
+          </a:fontRef>
+        </p:style>
+      </p:sp>
+      <p:sp>
+        <p:nvSpPr>
+          <p:cNvPr id="9" name="Rectangle 8"/>
+          <p:cNvSpPr/>
+          <p:nvPr/>
+        </p:nvSpPr>
+        <p:spPr>
+          <a:xfrm>
+            <a:off x="15" y="6334316"/>
+            <a:ext cx="12188825" cy="64008"/>
+          </a:xfrm>
+          <a:prstGeom prst="rect">
+            <a:avLst/>
+          </a:prstGeom>
+          <a:solidFill>
+            <a:schemeClr val="accent1"/>
+          </a:solidFill>
+          <a:ln>
+            <a:noFill/>
+          </a:ln>
+        </p:spPr>
+        <p:style>
+          <a:lnRef idx="2">
+            <a:schemeClr val="accent1">
+              <a:shade val="50000"/>
+            </a:schemeClr>
+          </a:lnRef>
+          <a:fillRef idx="1">
+            <a:schemeClr val="accent1"/>
+          </a:fillRef>
+          <a:effectRef idx="0">
+            <a:schemeClr val="accent1"/>
+          </a:effectRef>
+          <a:fontRef idx="minor">
+            <a:schemeClr val="lt1"/>
+          </a:fontRef>
+        </p:style>
+      </p:sp>
+      <p:sp>
+        <p:nvSpPr>
+          <p:cNvPr id="2" name="Title Placeholder 1"/>
+          <p:cNvSpPr>
+            <a:spLocks noGrp="1"/>
+          </p:cNvSpPr>
+          <p:nvPr>
+            <p:ph type="title"/>
+          </p:nvPr>
+        </p:nvSpPr>
+        <p:spPr>
+          <a:xfrm>
+            <a:off x="1097280" y="286603"/>
+            <a:ext cx="10058400" cy="1450757"/>
           </a:xfrm>
           <a:prstGeom prst="rect">
             <a:avLst/>
           </a:prstGeom>
         </p:spPr>
         <p:txBody>
-          <a:bodyPr vert="horz" lIns="91440" tIns="45720" rIns="91440" bIns="45720" rtlCol="0" anchor="ctr">
+          <a:bodyPr vert="horz" lIns="91440" tIns="45720" rIns="91440" bIns="45720" rtlCol="0" anchor="b">
             <a:normAutofit/>
           </a:bodyPr>
           <a:lstStyle/>
@@ -2800,18 +3186,13 @@
               <a:rPr lang="en-US"/>
               <a:t>Click to edit Master title style</a:t>
             </a:r>
-          </a:p>
-        </p:txBody>
-      </p:sp>
-      <p:sp>
-        <p:nvSpPr>
-          <p:cNvPr id="3" name="Text Placeholder 2">
-            <a:extLst>
-              <a:ext uri="{FF2B5EF4-FFF2-40B4-BE49-F238E27FC236}">
-                <a16:creationId xmlns:a16="http://schemas.microsoft.com/office/drawing/2014/main" id="{5701EE40-7E9B-4DAA-9412-EB13D93AFB07}"/>
-              </a:ext>
-            </a:extLst>
-          </p:cNvPr>
+            <a:endParaRPr lang="en-US" dirty="0"/>
+          </a:p>
+        </p:txBody>
+      </p:sp>
+      <p:sp>
+        <p:nvSpPr>
+          <p:cNvPr id="3" name="Text Placeholder 2"/>
           <p:cNvSpPr>
             <a:spLocks noGrp="1"/>
           </p:cNvSpPr>
@@ -2821,15 +3202,15 @@
         </p:nvSpPr>
         <p:spPr>
           <a:xfrm>
-            <a:off x="838200" y="1825625"/>
-            <a:ext cx="10515600" cy="4351338"/>
+            <a:off x="1097280" y="1845734"/>
+            <a:ext cx="10058400" cy="4023360"/>
           </a:xfrm>
           <a:prstGeom prst="rect">
             <a:avLst/>
           </a:prstGeom>
         </p:spPr>
         <p:txBody>
-          <a:bodyPr vert="horz" lIns="91440" tIns="45720" rIns="91440" bIns="45720" rtlCol="0">
+          <a:bodyPr vert="horz" lIns="0" tIns="45720" rIns="0" bIns="45720" rtlCol="0">
             <a:normAutofit/>
           </a:bodyPr>
           <a:lstStyle/>
@@ -2867,18 +3248,13 @@
               <a:rPr lang="en-US"/>
               <a:t>Fifth level</a:t>
             </a:r>
-          </a:p>
-        </p:txBody>
-      </p:sp>
-      <p:sp>
-        <p:nvSpPr>
-          <p:cNvPr id="4" name="Date Placeholder 3">
-            <a:extLst>
-              <a:ext uri="{FF2B5EF4-FFF2-40B4-BE49-F238E27FC236}">
-                <a16:creationId xmlns:a16="http://schemas.microsoft.com/office/drawing/2014/main" id="{D747AF24-7FE7-4D7B-9924-647F1E0E2983}"/>
-              </a:ext>
-            </a:extLst>
-          </p:cNvPr>
+            <a:endParaRPr lang="en-US" dirty="0"/>
+          </a:p>
+        </p:txBody>
+      </p:sp>
+      <p:sp>
+        <p:nvSpPr>
+          <p:cNvPr id="4" name="Date Placeholder 3"/>
           <p:cNvSpPr>
             <a:spLocks noGrp="1"/>
           </p:cNvSpPr>
@@ -2888,8 +3264,8 @@
         </p:nvSpPr>
         <p:spPr>
           <a:xfrm>
-            <a:off x="838200" y="6356350"/>
-            <a:ext cx="2743200" cy="365125"/>
+            <a:off x="1097280" y="6459785"/>
+            <a:ext cx="2472271" cy="365125"/>
           </a:xfrm>
           <a:prstGeom prst="rect">
             <a:avLst/>
@@ -2899,11 +3275,9 @@
           <a:bodyPr vert="horz" lIns="91440" tIns="45720" rIns="91440" bIns="45720" rtlCol="0" anchor="ctr"/>
           <a:lstStyle>
             <a:lvl1pPr algn="l">
-              <a:defRPr sz="1200">
+              <a:defRPr sz="900">
                 <a:solidFill>
-                  <a:schemeClr val="tx1">
-                    <a:tint val="75000"/>
-                  </a:schemeClr>
+                  <a:srgbClr val="FFFFFF"/>
                 </a:solidFill>
               </a:defRPr>
             </a:lvl1pPr>
@@ -2919,13 +3293,7 @@
       </p:sp>
       <p:sp>
         <p:nvSpPr>
-          <p:cNvPr id="5" name="Footer Placeholder 4">
-            <a:extLst>
-              <a:ext uri="{FF2B5EF4-FFF2-40B4-BE49-F238E27FC236}">
-                <a16:creationId xmlns:a16="http://schemas.microsoft.com/office/drawing/2014/main" id="{7B129806-1072-46A5-8194-1CC9DE65BE08}"/>
-              </a:ext>
-            </a:extLst>
-          </p:cNvPr>
+          <p:cNvPr id="5" name="Footer Placeholder 4"/>
           <p:cNvSpPr>
             <a:spLocks noGrp="1"/>
           </p:cNvSpPr>
@@ -2935,8 +3303,8 @@
         </p:nvSpPr>
         <p:spPr>
           <a:xfrm>
-            <a:off x="4038600" y="6356350"/>
-            <a:ext cx="4114800" cy="365125"/>
+            <a:off x="3686185" y="6459785"/>
+            <a:ext cx="4822804" cy="365125"/>
           </a:xfrm>
           <a:prstGeom prst="rect">
             <a:avLst/>
@@ -2946,11 +3314,9 @@
           <a:bodyPr vert="horz" lIns="91440" tIns="45720" rIns="91440" bIns="45720" rtlCol="0" anchor="ctr"/>
           <a:lstStyle>
             <a:lvl1pPr algn="ctr">
-              <a:defRPr sz="1200">
+              <a:defRPr sz="900" cap="all" baseline="0">
                 <a:solidFill>
-                  <a:schemeClr val="tx1">
-                    <a:tint val="75000"/>
-                  </a:schemeClr>
+                  <a:srgbClr val="FFFFFF"/>
                 </a:solidFill>
               </a:defRPr>
             </a:lvl1pPr>
@@ -2962,13 +3328,7 @@
       </p:sp>
       <p:sp>
         <p:nvSpPr>
-          <p:cNvPr id="6" name="Slide Number Placeholder 5">
-            <a:extLst>
-              <a:ext uri="{FF2B5EF4-FFF2-40B4-BE49-F238E27FC236}">
-                <a16:creationId xmlns:a16="http://schemas.microsoft.com/office/drawing/2014/main" id="{A2D37CF4-4BA3-4714-940A-2ED6182E2755}"/>
-              </a:ext>
-            </a:extLst>
-          </p:cNvPr>
+          <p:cNvPr id="6" name="Slide Number Placeholder 5"/>
           <p:cNvSpPr>
             <a:spLocks noGrp="1"/>
           </p:cNvSpPr>
@@ -2978,8 +3338,8 @@
         </p:nvSpPr>
         <p:spPr>
           <a:xfrm>
-            <a:off x="8610600" y="6356350"/>
-            <a:ext cx="2743200" cy="365125"/>
+            <a:off x="9900458" y="6459785"/>
+            <a:ext cx="1312025" cy="365125"/>
           </a:xfrm>
           <a:prstGeom prst="rect">
             <a:avLst/>
@@ -2989,11 +3349,9 @@
           <a:bodyPr vert="horz" lIns="91440" tIns="45720" rIns="91440" bIns="45720" rtlCol="0" anchor="ctr"/>
           <a:lstStyle>
             <a:lvl1pPr algn="r">
-              <a:defRPr sz="1200">
+              <a:defRPr sz="1050">
                 <a:solidFill>
-                  <a:schemeClr val="tx1">
-                    <a:tint val="75000"/>
-                  </a:schemeClr>
+                  <a:srgbClr val="FFFFFF"/>
                 </a:solidFill>
               </a:defRPr>
             </a:lvl1pPr>
@@ -3007,40 +3365,81 @@
           </a:p>
         </p:txBody>
       </p:sp>
+      <p:cxnSp>
+        <p:nvCxnSpPr>
+          <p:cNvPr id="10" name="Straight Connector 9"/>
+          <p:cNvCxnSpPr/>
+          <p:nvPr/>
+        </p:nvCxnSpPr>
+        <p:spPr>
+          <a:xfrm>
+            <a:off x="1193532" y="1737845"/>
+            <a:ext cx="9966960" cy="0"/>
+          </a:xfrm>
+          <a:prstGeom prst="line">
+            <a:avLst/>
+          </a:prstGeom>
+          <a:ln w="6350">
+            <a:solidFill>
+              <a:schemeClr val="tx1">
+                <a:lumMod val="50000"/>
+                <a:lumOff val="50000"/>
+              </a:schemeClr>
+            </a:solidFill>
+          </a:ln>
+        </p:spPr>
+        <p:style>
+          <a:lnRef idx="1">
+            <a:schemeClr val="accent1"/>
+          </a:lnRef>
+          <a:fillRef idx="0">
+            <a:schemeClr val="accent1"/>
+          </a:fillRef>
+          <a:effectRef idx="0">
+            <a:schemeClr val="accent1"/>
+          </a:effectRef>
+          <a:fontRef idx="minor">
+            <a:schemeClr val="tx1"/>
+          </a:fontRef>
+        </p:style>
+      </p:cxnSp>
     </p:spTree>
     <p:extLst>
       <p:ext uri="{BB962C8B-B14F-4D97-AF65-F5344CB8AC3E}">
-        <p14:creationId xmlns:p14="http://schemas.microsoft.com/office/powerpoint/2010/main" val="1503678984"/>
+        <p14:creationId xmlns:p14="http://schemas.microsoft.com/office/powerpoint/2010/main" val="35530808"/>
       </p:ext>
     </p:extLst>
   </p:cSld>
   <p:clrMap bg1="lt1" tx1="dk1" bg2="lt2" tx2="dk2" accent1="accent1" accent2="accent2" accent3="accent3" accent4="accent4" accent5="accent5" accent6="accent6" hlink="hlink" folHlink="folHlink"/>
   <p:sldLayoutIdLst>
-    <p:sldLayoutId id="2147483649" r:id="rId1"/>
-    <p:sldLayoutId id="2147483650" r:id="rId2"/>
-    <p:sldLayoutId id="2147483651" r:id="rId3"/>
-    <p:sldLayoutId id="2147483652" r:id="rId4"/>
-    <p:sldLayoutId id="2147483653" r:id="rId5"/>
-    <p:sldLayoutId id="2147483654" r:id="rId6"/>
-    <p:sldLayoutId id="2147483655" r:id="rId7"/>
-    <p:sldLayoutId id="2147483656" r:id="rId8"/>
-    <p:sldLayoutId id="2147483657" r:id="rId9"/>
-    <p:sldLayoutId id="2147483658" r:id="rId10"/>
-    <p:sldLayoutId id="2147483659" r:id="rId11"/>
+    <p:sldLayoutId id="2147483673" r:id="rId1"/>
+    <p:sldLayoutId id="2147483674" r:id="rId2"/>
+    <p:sldLayoutId id="2147483675" r:id="rId3"/>
+    <p:sldLayoutId id="2147483676" r:id="rId4"/>
+    <p:sldLayoutId id="2147483677" r:id="rId5"/>
+    <p:sldLayoutId id="2147483678" r:id="rId6"/>
+    <p:sldLayoutId id="2147483679" r:id="rId7"/>
+    <p:sldLayoutId id="2147483680" r:id="rId8"/>
+    <p:sldLayoutId id="2147483681" r:id="rId9"/>
+    <p:sldLayoutId id="2147483682" r:id="rId10"/>
+    <p:sldLayoutId id="2147483683" r:id="rId11"/>
   </p:sldLayoutIdLst>
   <p:txStyles>
     <p:titleStyle>
       <a:lvl1pPr algn="l" defTabSz="914400" rtl="0" eaLnBrk="1" latinLnBrk="0" hangingPunct="1">
         <a:lnSpc>
-          <a:spcPct val="90000"/>
+          <a:spcPct val="85000"/>
         </a:lnSpc>
         <a:spcBef>
           <a:spcPct val="0"/>
         </a:spcBef>
         <a:buNone/>
-        <a:defRPr sz="4400" kern="1200">
+        <a:defRPr sz="4800" kern="1200" spc="-50" baseline="0">
           <a:solidFill>
-            <a:schemeClr val="tx1"/>
+            <a:schemeClr val="tx1">
+              <a:lumMod val="75000"/>
+              <a:lumOff val="25000"/>
+            </a:schemeClr>
           </a:solidFill>
           <a:latin typeface="+mj-lt"/>
           <a:ea typeface="+mj-ea"/>
@@ -3049,162 +3448,244 @@
       </a:lvl1pPr>
     </p:titleStyle>
     <p:bodyStyle>
-      <a:lvl1pPr marL="228600" indent="-228600" algn="l" defTabSz="914400" rtl="0" eaLnBrk="1" latinLnBrk="0" hangingPunct="1">
+      <a:lvl1pPr marL="91440" indent="-91440" algn="l" defTabSz="914400" rtl="0" eaLnBrk="1" latinLnBrk="0" hangingPunct="1">
         <a:lnSpc>
           <a:spcPct val="90000"/>
         </a:lnSpc>
         <a:spcBef>
-          <a:spcPts val="1000"/>
+          <a:spcPts val="1200"/>
         </a:spcBef>
-        <a:buFont typeface="Arial" panose="020B0604020202020204" pitchFamily="34" charset="0"/>
-        <a:buChar char="•"/>
-        <a:defRPr sz="2800" kern="1200">
+        <a:spcAft>
+          <a:spcPts val="200"/>
+        </a:spcAft>
+        <a:buClr>
+          <a:schemeClr val="accent1"/>
+        </a:buClr>
+        <a:buSzPct val="100000"/>
+        <a:buFont typeface="Calibri" panose="020F0502020204030204" pitchFamily="34" charset="0"/>
+        <a:buChar char=" "/>
+        <a:defRPr sz="2000" kern="1200">
           <a:solidFill>
-            <a:schemeClr val="tx1"/>
+            <a:schemeClr val="tx1">
+              <a:lumMod val="75000"/>
+              <a:lumOff val="25000"/>
+            </a:schemeClr>
           </a:solidFill>
           <a:latin typeface="+mn-lt"/>
           <a:ea typeface="+mn-ea"/>
           <a:cs typeface="+mn-cs"/>
         </a:defRPr>
       </a:lvl1pPr>
-      <a:lvl2pPr marL="685800" indent="-228600" algn="l" defTabSz="914400" rtl="0" eaLnBrk="1" latinLnBrk="0" hangingPunct="1">
+      <a:lvl2pPr marL="384048" indent="-182880" algn="l" defTabSz="914400" rtl="0" eaLnBrk="1" latinLnBrk="0" hangingPunct="1">
         <a:lnSpc>
           <a:spcPct val="90000"/>
         </a:lnSpc>
         <a:spcBef>
-          <a:spcPts val="500"/>
+          <a:spcPts val="200"/>
         </a:spcBef>
-        <a:buFont typeface="Arial" panose="020B0604020202020204" pitchFamily="34" charset="0"/>
-        <a:buChar char="•"/>
-        <a:defRPr sz="2400" kern="1200">
+        <a:spcAft>
+          <a:spcPts val="400"/>
+        </a:spcAft>
+        <a:buClr>
+          <a:schemeClr val="accent1"/>
+        </a:buClr>
+        <a:buFont typeface="Calibri" pitchFamily="34" charset="0"/>
+        <a:buChar char="◦"/>
+        <a:defRPr sz="1800" kern="1200">
           <a:solidFill>
-            <a:schemeClr val="tx1"/>
+            <a:schemeClr val="tx1">
+              <a:lumMod val="75000"/>
+              <a:lumOff val="25000"/>
+            </a:schemeClr>
           </a:solidFill>
           <a:latin typeface="+mn-lt"/>
           <a:ea typeface="+mn-ea"/>
           <a:cs typeface="+mn-cs"/>
         </a:defRPr>
       </a:lvl2pPr>
-      <a:lvl3pPr marL="1143000" indent="-228600" algn="l" defTabSz="914400" rtl="0" eaLnBrk="1" latinLnBrk="0" hangingPunct="1">
+      <a:lvl3pPr marL="566928" indent="-182880" algn="l" defTabSz="914400" rtl="0" eaLnBrk="1" latinLnBrk="0" hangingPunct="1">
         <a:lnSpc>
           <a:spcPct val="90000"/>
         </a:lnSpc>
         <a:spcBef>
-          <a:spcPts val="500"/>
+          <a:spcPts val="200"/>
         </a:spcBef>
-        <a:buFont typeface="Arial" panose="020B0604020202020204" pitchFamily="34" charset="0"/>
-        <a:buChar char="•"/>
-        <a:defRPr sz="2000" kern="1200">
+        <a:spcAft>
+          <a:spcPts val="400"/>
+        </a:spcAft>
+        <a:buClr>
+          <a:schemeClr val="accent1"/>
+        </a:buClr>
+        <a:buFont typeface="Calibri" pitchFamily="34" charset="0"/>
+        <a:buChar char="◦"/>
+        <a:defRPr sz="1400" kern="1200">
           <a:solidFill>
-            <a:schemeClr val="tx1"/>
+            <a:schemeClr val="tx1">
+              <a:lumMod val="75000"/>
+              <a:lumOff val="25000"/>
+            </a:schemeClr>
           </a:solidFill>
           <a:latin typeface="+mn-lt"/>
           <a:ea typeface="+mn-ea"/>
           <a:cs typeface="+mn-cs"/>
         </a:defRPr>
       </a:lvl3pPr>
-      <a:lvl4pPr marL="1600200" indent="-228600" algn="l" defTabSz="914400" rtl="0" eaLnBrk="1" latinLnBrk="0" hangingPunct="1">
+      <a:lvl4pPr marL="749808" indent="-182880" algn="l" defTabSz="914400" rtl="0" eaLnBrk="1" latinLnBrk="0" hangingPunct="1">
         <a:lnSpc>
           <a:spcPct val="90000"/>
         </a:lnSpc>
         <a:spcBef>
-          <a:spcPts val="500"/>
+          <a:spcPts val="200"/>
         </a:spcBef>
-        <a:buFont typeface="Arial" panose="020B0604020202020204" pitchFamily="34" charset="0"/>
-        <a:buChar char="•"/>
-        <a:defRPr sz="1800" kern="1200">
+        <a:spcAft>
+          <a:spcPts val="400"/>
+        </a:spcAft>
+        <a:buClr>
+          <a:schemeClr val="accent1"/>
+        </a:buClr>
+        <a:buFont typeface="Calibri" pitchFamily="34" charset="0"/>
+        <a:buChar char="◦"/>
+        <a:defRPr sz="1400" kern="1200">
           <a:solidFill>
-            <a:schemeClr val="tx1"/>
+            <a:schemeClr val="tx1">
+              <a:lumMod val="75000"/>
+              <a:lumOff val="25000"/>
+            </a:schemeClr>
           </a:solidFill>
           <a:latin typeface="+mn-lt"/>
           <a:ea typeface="+mn-ea"/>
           <a:cs typeface="+mn-cs"/>
         </a:defRPr>
       </a:lvl4pPr>
-      <a:lvl5pPr marL="2057400" indent="-228600" algn="l" defTabSz="914400" rtl="0" eaLnBrk="1" latinLnBrk="0" hangingPunct="1">
+      <a:lvl5pPr marL="932688" indent="-182880" algn="l" defTabSz="914400" rtl="0" eaLnBrk="1" latinLnBrk="0" hangingPunct="1">
         <a:lnSpc>
           <a:spcPct val="90000"/>
         </a:lnSpc>
         <a:spcBef>
-          <a:spcPts val="500"/>
+          <a:spcPts val="200"/>
         </a:spcBef>
-        <a:buFont typeface="Arial" panose="020B0604020202020204" pitchFamily="34" charset="0"/>
-        <a:buChar char="•"/>
-        <a:defRPr sz="1800" kern="1200">
+        <a:spcAft>
+          <a:spcPts val="400"/>
+        </a:spcAft>
+        <a:buClr>
+          <a:schemeClr val="accent1"/>
+        </a:buClr>
+        <a:buFont typeface="Calibri" pitchFamily="34" charset="0"/>
+        <a:buChar char="◦"/>
+        <a:defRPr sz="1400" kern="1200">
           <a:solidFill>
-            <a:schemeClr val="tx1"/>
+            <a:schemeClr val="tx1">
+              <a:lumMod val="75000"/>
+              <a:lumOff val="25000"/>
+            </a:schemeClr>
           </a:solidFill>
           <a:latin typeface="+mn-lt"/>
           <a:ea typeface="+mn-ea"/>
           <a:cs typeface="+mn-cs"/>
         </a:defRPr>
       </a:lvl5pPr>
-      <a:lvl6pPr marL="2514600" indent="-228600" algn="l" defTabSz="914400" rtl="0" eaLnBrk="1" latinLnBrk="0" hangingPunct="1">
+      <a:lvl6pPr marL="1100000" indent="-228600" algn="l" defTabSz="914400" rtl="0" eaLnBrk="1" latinLnBrk="0" hangingPunct="1">
         <a:lnSpc>
           <a:spcPct val="90000"/>
         </a:lnSpc>
         <a:spcBef>
-          <a:spcPts val="500"/>
+          <a:spcPts val="200"/>
         </a:spcBef>
-        <a:buFont typeface="Arial" panose="020B0604020202020204" pitchFamily="34" charset="0"/>
-        <a:buChar char="•"/>
-        <a:defRPr sz="1800" kern="1200">
+        <a:spcAft>
+          <a:spcPts val="400"/>
+        </a:spcAft>
+        <a:buClr>
+          <a:schemeClr val="accent1"/>
+        </a:buClr>
+        <a:buFont typeface="Calibri" pitchFamily="34" charset="0"/>
+        <a:buChar char="◦"/>
+        <a:defRPr sz="1400" kern="1200">
           <a:solidFill>
-            <a:schemeClr val="tx1"/>
+            <a:schemeClr val="tx1">
+              <a:lumMod val="75000"/>
+              <a:lumOff val="25000"/>
+            </a:schemeClr>
           </a:solidFill>
           <a:latin typeface="+mn-lt"/>
           <a:ea typeface="+mn-ea"/>
           <a:cs typeface="+mn-cs"/>
         </a:defRPr>
       </a:lvl6pPr>
-      <a:lvl7pPr marL="2971800" indent="-228600" algn="l" defTabSz="914400" rtl="0" eaLnBrk="1" latinLnBrk="0" hangingPunct="1">
+      <a:lvl7pPr marL="1300000" indent="-228600" algn="l" defTabSz="914400" rtl="0" eaLnBrk="1" latinLnBrk="0" hangingPunct="1">
         <a:lnSpc>
           <a:spcPct val="90000"/>
         </a:lnSpc>
         <a:spcBef>
-          <a:spcPts val="500"/>
+          <a:spcPts val="200"/>
         </a:spcBef>
-        <a:buFont typeface="Arial" panose="020B0604020202020204" pitchFamily="34" charset="0"/>
-        <a:buChar char="•"/>
-        <a:defRPr sz="1800" kern="1200">
+        <a:spcAft>
+          <a:spcPts val="400"/>
+        </a:spcAft>
+        <a:buClr>
+          <a:schemeClr val="accent1"/>
+        </a:buClr>
+        <a:buFont typeface="Calibri" pitchFamily="34" charset="0"/>
+        <a:buChar char="◦"/>
+        <a:defRPr sz="1400" kern="1200">
           <a:solidFill>
-            <a:schemeClr val="tx1"/>
+            <a:schemeClr val="tx1">
+              <a:lumMod val="75000"/>
+              <a:lumOff val="25000"/>
+            </a:schemeClr>
           </a:solidFill>
           <a:latin typeface="+mn-lt"/>
           <a:ea typeface="+mn-ea"/>
           <a:cs typeface="+mn-cs"/>
         </a:defRPr>
       </a:lvl7pPr>
-      <a:lvl8pPr marL="3429000" indent="-228600" algn="l" defTabSz="914400" rtl="0" eaLnBrk="1" latinLnBrk="0" hangingPunct="1">
+      <a:lvl8pPr marL="1500000" indent="-228600" algn="l" defTabSz="914400" rtl="0" eaLnBrk="1" latinLnBrk="0" hangingPunct="1">
         <a:lnSpc>
           <a:spcPct val="90000"/>
         </a:lnSpc>
         <a:spcBef>
-          <a:spcPts val="500"/>
+          <a:spcPts val="200"/>
         </a:spcBef>
-        <a:buFont typeface="Arial" panose="020B0604020202020204" pitchFamily="34" charset="0"/>
-        <a:buChar char="•"/>
-        <a:defRPr sz="1800" kern="1200">
+        <a:spcAft>
+          <a:spcPts val="400"/>
+        </a:spcAft>
+        <a:buClr>
+          <a:schemeClr val="accent1"/>
+        </a:buClr>
+        <a:buFont typeface="Calibri" pitchFamily="34" charset="0"/>
+        <a:buChar char="◦"/>
+        <a:defRPr sz="1400" kern="1200">
           <a:solidFill>
-            <a:schemeClr val="tx1"/>
+            <a:schemeClr val="tx1">
+              <a:lumMod val="75000"/>
+              <a:lumOff val="25000"/>
+            </a:schemeClr>
           </a:solidFill>
           <a:latin typeface="+mn-lt"/>
           <a:ea typeface="+mn-ea"/>
           <a:cs typeface="+mn-cs"/>
         </a:defRPr>
       </a:lvl8pPr>
-      <a:lvl9pPr marL="3886200" indent="-228600" algn="l" defTabSz="914400" rtl="0" eaLnBrk="1" latinLnBrk="0" hangingPunct="1">
+      <a:lvl9pPr marL="1700000" indent="-228600" algn="l" defTabSz="914400" rtl="0" eaLnBrk="1" latinLnBrk="0" hangingPunct="1">
         <a:lnSpc>
           <a:spcPct val="90000"/>
         </a:lnSpc>
         <a:spcBef>
-          <a:spcPts val="500"/>
+          <a:spcPts val="200"/>
         </a:spcBef>
-        <a:buFont typeface="Arial" panose="020B0604020202020204" pitchFamily="34" charset="0"/>
-        <a:buChar char="•"/>
-        <a:defRPr sz="1800" kern="1200">
+        <a:spcAft>
+          <a:spcPts val="400"/>
+        </a:spcAft>
+        <a:buClr>
+          <a:schemeClr val="accent1"/>
+        </a:buClr>
+        <a:buFont typeface="Calibri" pitchFamily="34" charset="0"/>
+        <a:buChar char="◦"/>
+        <a:defRPr sz="1400" kern="1200">
           <a:solidFill>
-            <a:schemeClr val="tx1"/>
+            <a:schemeClr val="tx1">
+              <a:lumMod val="75000"/>
+              <a:lumOff val="25000"/>
+            </a:schemeClr>
           </a:solidFill>
           <a:latin typeface="+mn-lt"/>
           <a:ea typeface="+mn-ea"/>
@@ -3314,6 +3795,14 @@
 <file path=ppt/slides/slide1.xml><?xml version="1.0" encoding="utf-8"?>
 <p:sld xmlns:a="http://schemas.openxmlformats.org/drawingml/2006/main" xmlns:r="http://schemas.openxmlformats.org/officeDocument/2006/relationships" xmlns:p="http://schemas.openxmlformats.org/presentationml/2006/main">
   <p:cSld>
+    <p:bg>
+      <p:bgPr>
+        <a:solidFill>
+          <a:schemeClr val="bg1"/>
+        </a:solidFill>
+        <a:effectLst/>
+      </p:bgPr>
+    </p:bg>
     <p:spTree>
       <p:nvGrpSpPr>
         <p:cNvPr id="1" name=""/>
@@ -3328,96 +3817,224 @@
           <a:chExt cx="0" cy="0"/>
         </a:xfrm>
       </p:grpSpPr>
-      <p:sp>
-        <p:nvSpPr>
-          <p:cNvPr id="2" name="Title 1">
+      <p:sp useBgFill="1">
+        <p:nvSpPr>
+          <p:cNvPr id="16" name="Rectangle 15">
             <a:extLst>
               <a:ext uri="{FF2B5EF4-FFF2-40B4-BE49-F238E27FC236}">
-                <a16:creationId xmlns:a16="http://schemas.microsoft.com/office/drawing/2014/main" id="{3572368A-5AF3-4183-91E6-45C564C1C064}"/>
+                <a16:creationId xmlns:a16="http://schemas.microsoft.com/office/drawing/2014/main" id="{2779F603-B669-4AD6-82F9-E09F76165B99}"/>
               </a:ext>
             </a:extLst>
           </p:cNvPr>
           <p:cNvSpPr>
-            <a:spLocks noGrp="1"/>
-          </p:cNvSpPr>
-          <p:nvPr>
-            <p:ph type="ctrTitle"/>
-          </p:nvPr>
-        </p:nvSpPr>
-        <p:spPr/>
-        <p:txBody>
-          <a:bodyPr/>
-          <a:lstStyle/>
-          <a:p>
-            <a:r>
-              <a:rPr lang="en-US" dirty="0"/>
-              <a:t>Software Engineering:</a:t>
-            </a:r>
-            <a:br>
-              <a:rPr lang="en-US" dirty="0"/>
-            </a:br>
-            <a:r>
-              <a:rPr lang="en-US" dirty="0"/>
-              <a:t>Works</a:t>
-            </a:r>
-          </a:p>
-        </p:txBody>
-      </p:sp>
-      <p:sp>
-        <p:nvSpPr>
-          <p:cNvPr id="3" name="Subtitle 2">
+            <a:spLocks noGrp="1" noRot="1" noChangeAspect="1" noMove="1" noResize="1" noEditPoints="1" noAdjustHandles="1" noChangeArrowheads="1" noChangeShapeType="1" noTextEdit="1"/>
+          </p:cNvSpPr>
+          <p:nvPr>
+            <p:extLst>
+              <p:ext uri="{386F3935-93C4-4BCD-93E2-E3B085C9AB24}">
+                <p16:designElem xmlns:p16="http://schemas.microsoft.com/office/powerpoint/2015/main" val="1"/>
+              </p:ext>
+            </p:extLst>
+          </p:nvPr>
+        </p:nvSpPr>
+        <p:spPr>
+          <a:xfrm>
+            <a:off x="0" y="0"/>
+            <a:ext cx="12192001" cy="6334316"/>
+          </a:xfrm>
+          <a:prstGeom prst="rect">
+            <a:avLst/>
+          </a:prstGeom>
+          <a:ln>
+            <a:noFill/>
+          </a:ln>
+        </p:spPr>
+        <p:style>
+          <a:lnRef idx="2">
+            <a:schemeClr val="accent1">
+              <a:shade val="50000"/>
+            </a:schemeClr>
+          </a:lnRef>
+          <a:fillRef idx="1">
+            <a:schemeClr val="accent1"/>
+          </a:fillRef>
+          <a:effectRef idx="0">
+            <a:schemeClr val="accent1"/>
+          </a:effectRef>
+          <a:fontRef idx="minor">
+            <a:schemeClr val="lt1"/>
+          </a:fontRef>
+        </p:style>
+        <p:txBody>
+          <a:bodyPr rtlCol="0" anchor="ctr"/>
+          <a:lstStyle/>
+          <a:p>
+            <a:pPr algn="ctr"/>
+            <a:endParaRPr lang="en-US"/>
+          </a:p>
+        </p:txBody>
+      </p:sp>
+      <p:sp>
+        <p:nvSpPr>
+          <p:cNvPr id="18" name="Rectangle 17">
             <a:extLst>
               <a:ext uri="{FF2B5EF4-FFF2-40B4-BE49-F238E27FC236}">
-                <a16:creationId xmlns:a16="http://schemas.microsoft.com/office/drawing/2014/main" id="{F5A6BDFE-A9C6-421A-A353-96FBF8AF1294}"/>
+                <a16:creationId xmlns:a16="http://schemas.microsoft.com/office/drawing/2014/main" id="{541AFC2C-CD98-4478-AB71-1A864026D92F}"/>
               </a:ext>
             </a:extLst>
           </p:cNvPr>
           <p:cNvSpPr>
-            <a:spLocks noGrp="1"/>
-          </p:cNvSpPr>
-          <p:nvPr>
-            <p:ph type="subTitle" idx="1"/>
+            <a:spLocks noGrp="1" noRot="1" noChangeAspect="1" noMove="1" noResize="1" noEditPoints="1" noAdjustHandles="1" noChangeArrowheads="1" noChangeShapeType="1" noTextEdit="1"/>
+          </p:cNvSpPr>
+          <p:nvPr>
+            <p:extLst>
+              <p:ext uri="{386F3935-93C4-4BCD-93E2-E3B085C9AB24}">
+                <p16:designElem xmlns:p16="http://schemas.microsoft.com/office/powerpoint/2015/main" val="1"/>
+              </p:ext>
+            </p:extLst>
           </p:nvPr>
         </p:nvSpPr>
         <p:spPr>
           <a:xfrm>
-            <a:off x="1524000" y="3999603"/>
-            <a:ext cx="9144000" cy="1655762"/>
+            <a:off x="1" y="6400800"/>
+            <a:ext cx="12192000" cy="457200"/>
           </a:xfrm>
+          <a:prstGeom prst="rect">
+            <a:avLst/>
+          </a:prstGeom>
+          <a:solidFill>
+            <a:schemeClr val="accent2"/>
+          </a:solidFill>
+          <a:ln>
+            <a:noFill/>
+          </a:ln>
         </p:spPr>
-        <p:txBody>
-          <a:bodyPr/>
-          <a:lstStyle/>
-          <a:p>
-            <a:r>
-              <a:rPr lang="en-US" dirty="0"/>
-              <a:t>By: Arvin, </a:t>
-            </a:r>
-            <a:r>
-              <a:rPr lang="en-US" dirty="0" err="1"/>
-              <a:t>Devent</a:t>
-            </a:r>
-            <a:r>
-              <a:rPr lang="en-US" dirty="0"/>
-              <a:t>, Dewa, </a:t>
-            </a:r>
-            <a:r>
-              <a:rPr lang="en-US" dirty="0" err="1"/>
-              <a:t>Fariz</a:t>
-            </a:r>
-            <a:r>
-              <a:rPr lang="en-US" dirty="0"/>
-              <a:t>, Mike</a:t>
-            </a:r>
-          </a:p>
-        </p:txBody>
-      </p:sp>
+        <p:style>
+          <a:lnRef idx="2">
+            <a:schemeClr val="accent1">
+              <a:shade val="50000"/>
+            </a:schemeClr>
+          </a:lnRef>
+          <a:fillRef idx="1">
+            <a:schemeClr val="accent1"/>
+          </a:fillRef>
+          <a:effectRef idx="0">
+            <a:schemeClr val="accent1"/>
+          </a:effectRef>
+          <a:fontRef idx="minor">
+            <a:schemeClr val="lt1"/>
+          </a:fontRef>
+        </p:style>
+      </p:sp>
+      <p:sp>
+        <p:nvSpPr>
+          <p:cNvPr id="20" name="Rectangle 19">
+            <a:extLst>
+              <a:ext uri="{FF2B5EF4-FFF2-40B4-BE49-F238E27FC236}">
+                <a16:creationId xmlns:a16="http://schemas.microsoft.com/office/drawing/2014/main" id="{BC0D1FC6-352C-4C7D-825F-C4E2F6A8059C}"/>
+              </a:ext>
+            </a:extLst>
+          </p:cNvPr>
+          <p:cNvSpPr>
+            <a:spLocks noGrp="1" noRot="1" noChangeAspect="1" noMove="1" noResize="1" noEditPoints="1" noAdjustHandles="1" noChangeArrowheads="1" noChangeShapeType="1" noTextEdit="1"/>
+          </p:cNvSpPr>
+          <p:nvPr>
+            <p:extLst>
+              <p:ext uri="{386F3935-93C4-4BCD-93E2-E3B085C9AB24}">
+                <p16:designElem xmlns:p16="http://schemas.microsoft.com/office/powerpoint/2015/main" val="1"/>
+              </p:ext>
+            </p:extLst>
+          </p:nvPr>
+        </p:nvSpPr>
+        <p:spPr>
+          <a:xfrm>
+            <a:off x="15" y="6334316"/>
+            <a:ext cx="12191985" cy="66484"/>
+          </a:xfrm>
+          <a:prstGeom prst="rect">
+            <a:avLst/>
+          </a:prstGeom>
+          <a:solidFill>
+            <a:schemeClr val="accent1"/>
+          </a:solidFill>
+          <a:ln>
+            <a:noFill/>
+          </a:ln>
+        </p:spPr>
+        <p:style>
+          <a:lnRef idx="2">
+            <a:schemeClr val="accent1">
+              <a:shade val="50000"/>
+            </a:schemeClr>
+          </a:lnRef>
+          <a:fillRef idx="1">
+            <a:schemeClr val="accent1"/>
+          </a:fillRef>
+          <a:effectRef idx="0">
+            <a:schemeClr val="accent1"/>
+          </a:effectRef>
+          <a:fontRef idx="minor">
+            <a:schemeClr val="lt1"/>
+          </a:fontRef>
+        </p:style>
+      </p:sp>
+      <p:cxnSp>
+        <p:nvCxnSpPr>
+          <p:cNvPr id="22" name="Straight Connector 21">
+            <a:extLst>
+              <a:ext uri="{FF2B5EF4-FFF2-40B4-BE49-F238E27FC236}">
+                <a16:creationId xmlns:a16="http://schemas.microsoft.com/office/drawing/2014/main" id="{7ABFD994-C2DC-4E7D-9411-C7FF7813EF47}"/>
+              </a:ext>
+            </a:extLst>
+          </p:cNvPr>
+          <p:cNvCxnSpPr>
+            <a:cxnSpLocks noGrp="1" noRot="1" noChangeAspect="1" noMove="1" noResize="1" noEditPoints="1" noAdjustHandles="1" noChangeArrowheads="1" noChangeShapeType="1"/>
+          </p:cNvCxnSpPr>
+          <p:nvPr>
+            <p:extLst>
+              <p:ext uri="{386F3935-93C4-4BCD-93E2-E3B085C9AB24}">
+                <p16:designElem xmlns:p16="http://schemas.microsoft.com/office/powerpoint/2015/main" val="1"/>
+              </p:ext>
+            </p:extLst>
+          </p:nvPr>
+        </p:nvCxnSpPr>
+        <p:spPr>
+          <a:xfrm>
+            <a:off x="5447071" y="4343400"/>
+            <a:ext cx="5636107" cy="0"/>
+          </a:xfrm>
+          <a:prstGeom prst="line">
+            <a:avLst/>
+          </a:prstGeom>
+          <a:ln w="6350">
+            <a:solidFill>
+              <a:schemeClr val="tx2">
+                <a:alpha val="90000"/>
+              </a:schemeClr>
+            </a:solidFill>
+          </a:ln>
+        </p:spPr>
+        <p:style>
+          <a:lnRef idx="1">
+            <a:schemeClr val="accent1"/>
+          </a:lnRef>
+          <a:fillRef idx="0">
+            <a:schemeClr val="accent1"/>
+          </a:fillRef>
+          <a:effectRef idx="0">
+            <a:schemeClr val="accent1"/>
+          </a:effectRef>
+          <a:fontRef idx="minor">
+            <a:schemeClr val="tx1"/>
+          </a:fontRef>
+        </p:style>
+      </p:cxnSp>
       <p:pic>
         <p:nvPicPr>
-          <p:cNvPr id="4" name="Content Placeholder 4">
+          <p:cNvPr id="11" name="Picture 10" descr="A picture containing object, text&#10;&#10;Description generated with high confidence">
             <a:extLst>
               <a:ext uri="{FF2B5EF4-FFF2-40B4-BE49-F238E27FC236}">
-                <a16:creationId xmlns:a16="http://schemas.microsoft.com/office/drawing/2014/main" id="{D008F810-2174-4310-B087-64CEB4DD9D2C}"/>
+                <a16:creationId xmlns:a16="http://schemas.microsoft.com/office/drawing/2014/main" id="{7A8B5A5F-5F94-4D21-B4C8-AA38C8A45298}"/>
               </a:ext>
             </a:extLst>
           </p:cNvPr>
@@ -3440,18 +4057,84 @@
         </p:blipFill>
         <p:spPr>
           <a:xfrm>
-            <a:off x="558921" y="314313"/>
-            <a:ext cx="1930158" cy="2001850"/>
+            <a:off x="1087529" y="1560945"/>
+            <a:ext cx="3094256" cy="3206482"/>
           </a:xfrm>
           <a:prstGeom prst="rect">
             <a:avLst/>
           </a:prstGeom>
         </p:spPr>
       </p:pic>
+      <p:sp>
+        <p:nvSpPr>
+          <p:cNvPr id="5" name="Title 1">
+            <a:extLst>
+              <a:ext uri="{FF2B5EF4-FFF2-40B4-BE49-F238E27FC236}">
+                <a16:creationId xmlns:a16="http://schemas.microsoft.com/office/drawing/2014/main" id="{AE07194F-B654-49AE-ABD7-E77228FCD307}"/>
+              </a:ext>
+            </a:extLst>
+          </p:cNvPr>
+          <p:cNvSpPr txBox="1">
+            <a:spLocks/>
+          </p:cNvSpPr>
+          <p:nvPr/>
+        </p:nvSpPr>
+        <p:spPr>
+          <a:xfrm>
+            <a:off x="5289754" y="639097"/>
+            <a:ext cx="6253317" cy="3686015"/>
+          </a:xfrm>
+          <a:prstGeom prst="rect">
+            <a:avLst/>
+          </a:prstGeom>
+        </p:spPr>
+        <p:txBody>
+          <a:bodyPr vert="horz" lIns="91440" tIns="45720" rIns="91440" bIns="45720" rtlCol="0" anchor="b">
+            <a:normAutofit/>
+          </a:bodyPr>
+          <a:lstStyle>
+            <a:lvl1pPr algn="l" defTabSz="914400" rtl="0" eaLnBrk="1" latinLnBrk="0" hangingPunct="1">
+              <a:lnSpc>
+                <a:spcPct val="85000"/>
+              </a:lnSpc>
+              <a:spcBef>
+                <a:spcPct val="0"/>
+              </a:spcBef>
+              <a:buNone/>
+              <a:defRPr sz="8000" kern="1200" spc="-50" baseline="0">
+                <a:solidFill>
+                  <a:schemeClr val="tx1">
+                    <a:lumMod val="85000"/>
+                    <a:lumOff val="15000"/>
+                  </a:schemeClr>
+                </a:solidFill>
+                <a:latin typeface="+mj-lt"/>
+                <a:ea typeface="+mj-ea"/>
+                <a:cs typeface="+mj-cs"/>
+              </a:defRPr>
+            </a:lvl1pPr>
+          </a:lstStyle>
+          <a:p>
+            <a:pPr>
+              <a:spcAft>
+                <a:spcPts val="600"/>
+              </a:spcAft>
+            </a:pPr>
+            <a:r>
+              <a:rPr lang="en-US" dirty="0" err="1"/>
+              <a:t>SJAMotor</a:t>
+            </a:r>
+            <a:r>
+              <a:rPr lang="en-US" dirty="0"/>
+              <a:t> Website</a:t>
+            </a:r>
+          </a:p>
+        </p:txBody>
+      </p:sp>
     </p:spTree>
     <p:extLst>
       <p:ext uri="{BB962C8B-B14F-4D97-AF65-F5344CB8AC3E}">
-        <p14:creationId xmlns:p14="http://schemas.microsoft.com/office/powerpoint/2010/main" val="1406186008"/>
+        <p14:creationId xmlns:p14="http://schemas.microsoft.com/office/powerpoint/2010/main" val="2575460061"/>
       </p:ext>
     </p:extLst>
   </p:cSld>
@@ -3483,7 +4166,7 @@
           <p:cNvPr id="2" name="Title 1">
             <a:extLst>
               <a:ext uri="{FF2B5EF4-FFF2-40B4-BE49-F238E27FC236}">
-                <a16:creationId xmlns:a16="http://schemas.microsoft.com/office/drawing/2014/main" id="{1576C503-DA07-47D2-BEB8-4AC0ED0F9D17}"/>
+                <a16:creationId xmlns:a16="http://schemas.microsoft.com/office/drawing/2014/main" id="{975E0568-B410-4563-9712-A4876D2FCC0B}"/>
               </a:ext>
             </a:extLst>
           </p:cNvPr>
@@ -3501,17 +4184,18 @@
           <a:p>
             <a:r>
               <a:rPr lang="en-US" dirty="0"/>
-              <a:t>Team Member</a:t>
-            </a:r>
-          </a:p>
-        </p:txBody>
-      </p:sp>
-      <p:sp>
-        <p:nvSpPr>
-          <p:cNvPr id="7" name="Content Placeholder 6">
+              <a:t>TEAM MEMBER</a:t>
+            </a:r>
+            <a:endParaRPr lang="id-ID" dirty="0"/>
+          </a:p>
+        </p:txBody>
+      </p:sp>
+      <p:sp>
+        <p:nvSpPr>
+          <p:cNvPr id="3" name="Content Placeholder 2">
             <a:extLst>
               <a:ext uri="{FF2B5EF4-FFF2-40B4-BE49-F238E27FC236}">
-                <a16:creationId xmlns:a16="http://schemas.microsoft.com/office/drawing/2014/main" id="{08CC9BC3-6651-465A-A340-B9DEB95987BE}"/>
+                <a16:creationId xmlns:a16="http://schemas.microsoft.com/office/drawing/2014/main" id="{188851BF-1E4F-44E2-AEA5-034BBCDF7FF6}"/>
               </a:ext>
             </a:extLst>
           </p:cNvPr>
@@ -3537,25 +4221,51 @@
             </a:r>
             <a:r>
               <a:rPr lang="en-US" dirty="0"/>
-              <a:t> – Project Manager</a:t>
+              <a:t>	:	Project Leader</a:t>
             </a:r>
           </a:p>
           <a:p>
             <a:r>
               <a:rPr lang="en-US" dirty="0"/>
-              <a:t>Muhammad Arvin – Front-End Developer</a:t>
+              <a:t>Muhammad Arvin	: 	Front-end Developer</a:t>
             </a:r>
           </a:p>
           <a:p>
             <a:r>
               <a:rPr lang="en-US" dirty="0"/>
-              <a:t>Dewa Bagaskara – Front-End Developer</a:t>
-            </a:r>
-          </a:p>
-          <a:p>
+              <a:t>Dewa </a:t>
+            </a:r>
             <a:r>
               <a:rPr lang="en-US" dirty="0" err="1"/>
-              <a:t>Devent</a:t>
+              <a:t>Bagaskara</a:t>
+            </a:r>
+            <a:r>
+              <a:rPr lang="en-US" dirty="0"/>
+              <a:t> 		: 	Front-end Developer </a:t>
+            </a:r>
+          </a:p>
+          <a:p>
+            <a:r>
+              <a:rPr lang="en-US" dirty="0" err="1"/>
+              <a:t>Fariz</a:t>
+            </a:r>
+            <a:r>
+              <a:rPr lang="en-US" dirty="0"/>
+              <a:t> Prabu </a:t>
+            </a:r>
+            <a:r>
+              <a:rPr lang="en-US" dirty="0" err="1"/>
+              <a:t>Alam</a:t>
+            </a:r>
+            <a:r>
+              <a:rPr lang="en-US" dirty="0"/>
+              <a:t> 	: 	Back-end Developer</a:t>
+            </a:r>
+          </a:p>
+          <a:p>
+            <a:r>
+              <a:rPr lang="en-US" dirty="0" err="1"/>
+              <a:t>Deven</a:t>
             </a:r>
             <a:r>
               <a:rPr lang="en-US" dirty="0"/>
@@ -3567,33 +4277,16 @@
             </a:r>
             <a:r>
               <a:rPr lang="en-US" dirty="0"/>
-              <a:t> – Back-end Developer</a:t>
-            </a:r>
-          </a:p>
-          <a:p>
-            <a:r>
-              <a:rPr lang="en-US" dirty="0" err="1"/>
-              <a:t>Fariz</a:t>
-            </a:r>
-            <a:r>
-              <a:rPr lang="en-US" dirty="0"/>
-              <a:t> Prabu </a:t>
-            </a:r>
-            <a:r>
-              <a:rPr lang="en-US" dirty="0" err="1"/>
-              <a:t>Alam</a:t>
-            </a:r>
-            <a:r>
-              <a:rPr lang="en-US" dirty="0"/>
-              <a:t> – Back-end Developer </a:t>
-            </a:r>
+              <a:t> 	: 	Back-end Developer</a:t>
+            </a:r>
+            <a:endParaRPr lang="id-ID" dirty="0"/>
           </a:p>
         </p:txBody>
       </p:sp>
     </p:spTree>
     <p:extLst>
       <p:ext uri="{BB962C8B-B14F-4D97-AF65-F5344CB8AC3E}">
-        <p14:creationId xmlns:p14="http://schemas.microsoft.com/office/powerpoint/2010/main" val="365168890"/>
+        <p14:creationId xmlns:p14="http://schemas.microsoft.com/office/powerpoint/2010/main" val="2788005957"/>
       </p:ext>
     </p:extLst>
   </p:cSld>
@@ -3625,7 +4318,7 @@
           <p:cNvPr id="2" name="Title 1">
             <a:extLst>
               <a:ext uri="{FF2B5EF4-FFF2-40B4-BE49-F238E27FC236}">
-                <a16:creationId xmlns:a16="http://schemas.microsoft.com/office/drawing/2014/main" id="{6A5C3153-5FAE-4CF9-B937-7EE19EEB5612}"/>
+                <a16:creationId xmlns:a16="http://schemas.microsoft.com/office/drawing/2014/main" id="{8E15EDD1-B6D4-459D-966D-786291DF71BC}"/>
               </a:ext>
             </a:extLst>
           </p:cNvPr>
@@ -3643,8 +4336,9 @@
           <a:p>
             <a:r>
               <a:rPr lang="en-US" dirty="0"/>
-              <a:t>Introduction</a:t>
-            </a:r>
+              <a:t>INTRODUCTION</a:t>
+            </a:r>
+            <a:endParaRPr lang="id-ID" dirty="0"/>
           </a:p>
         </p:txBody>
       </p:sp>
@@ -3653,7 +4347,7 @@
           <p:cNvPr id="3" name="Content Placeholder 2">
             <a:extLst>
               <a:ext uri="{FF2B5EF4-FFF2-40B4-BE49-F238E27FC236}">
-                <a16:creationId xmlns:a16="http://schemas.microsoft.com/office/drawing/2014/main" id="{14280BEC-7A20-4174-BACC-A4A3FB7A2B43}"/>
+                <a16:creationId xmlns:a16="http://schemas.microsoft.com/office/drawing/2014/main" id="{378DA05F-1A65-4A93-8B67-1103E9D121BA}"/>
               </a:ext>
             </a:extLst>
           </p:cNvPr>
@@ -3675,21 +4369,24 @@
             </a:r>
             <a:r>
               <a:rPr lang="en-US" dirty="0"/>
-              <a:t> is a website that contain information about SJA Motor workshop</a:t>
-            </a:r>
-          </a:p>
-          <a:p>
+              <a:t> is a website that consist of the information about </a:t>
+            </a:r>
+            <a:r>
+              <a:rPr lang="en-US" dirty="0" err="1"/>
+              <a:t>SJAMotor</a:t>
+            </a:r>
             <a:r>
               <a:rPr lang="en-US" dirty="0"/>
-              <a:t>The website contain their product, contact, profile, and service</a:t>
-            </a:r>
+              <a:t> workshop. This website also contain the information of the products, services, location, contact number, and e-mail address. This website is made of HTML as the front-end, PHP as the back-end, and MySQL as the database.</a:t>
+            </a:r>
+            <a:endParaRPr lang="id-ID" dirty="0"/>
           </a:p>
         </p:txBody>
       </p:sp>
     </p:spTree>
     <p:extLst>
       <p:ext uri="{BB962C8B-B14F-4D97-AF65-F5344CB8AC3E}">
-        <p14:creationId xmlns:p14="http://schemas.microsoft.com/office/powerpoint/2010/main" val="2275955039"/>
+        <p14:creationId xmlns:p14="http://schemas.microsoft.com/office/powerpoint/2010/main" val="3598684518"/>
       </p:ext>
     </p:extLst>
   </p:cSld>
@@ -3721,7 +4418,7 @@
           <p:cNvPr id="2" name="Title 1">
             <a:extLst>
               <a:ext uri="{FF2B5EF4-FFF2-40B4-BE49-F238E27FC236}">
-                <a16:creationId xmlns:a16="http://schemas.microsoft.com/office/drawing/2014/main" id="{60E18352-25A8-40C3-93E5-079C12A7BBC3}"/>
+                <a16:creationId xmlns:a16="http://schemas.microsoft.com/office/drawing/2014/main" id="{625AA3C3-B26A-45C7-B27C-3AD533BB9431}"/>
               </a:ext>
             </a:extLst>
           </p:cNvPr>
@@ -3737,7 +4434,11 @@
           <a:bodyPr/>
           <a:lstStyle/>
           <a:p>
-            <a:endParaRPr lang="en-US"/>
+            <a:r>
+              <a:rPr lang="en-US" dirty="0"/>
+              <a:t>WEBSITE FEATURE</a:t>
+            </a:r>
+            <a:endParaRPr lang="id-ID" dirty="0"/>
           </a:p>
         </p:txBody>
       </p:sp>
@@ -3746,7 +4447,7 @@
           <p:cNvPr id="3" name="Content Placeholder 2">
             <a:extLst>
               <a:ext uri="{FF2B5EF4-FFF2-40B4-BE49-F238E27FC236}">
-                <a16:creationId xmlns:a16="http://schemas.microsoft.com/office/drawing/2014/main" id="{0D29B677-AD29-48CF-A13F-66C92DFB3507}"/>
+                <a16:creationId xmlns:a16="http://schemas.microsoft.com/office/drawing/2014/main" id="{DDA5FE52-0726-4339-9D7C-EE51062E880A}"/>
               </a:ext>
             </a:extLst>
           </p:cNvPr>
@@ -3762,14 +4463,275 @@
           <a:bodyPr/>
           <a:lstStyle/>
           <a:p>
-            <a:endParaRPr lang="en-US"/>
+            <a:pPr>
+              <a:buFont typeface="Arial" panose="020B0604020202020204" pitchFamily="34" charset="0"/>
+              <a:buChar char="•"/>
+            </a:pPr>
+            <a:r>
+              <a:rPr lang="en-US" dirty="0"/>
+              <a:t>Login</a:t>
+            </a:r>
+          </a:p>
+          <a:p>
+            <a:pPr>
+              <a:buFont typeface="Arial" panose="020B0604020202020204" pitchFamily="34" charset="0"/>
+              <a:buChar char="•"/>
+            </a:pPr>
+            <a:r>
+              <a:rPr lang="en-US" dirty="0"/>
+              <a:t>Logout</a:t>
+            </a:r>
+          </a:p>
+          <a:p>
+            <a:pPr>
+              <a:buFont typeface="Arial" panose="020B0604020202020204" pitchFamily="34" charset="0"/>
+              <a:buChar char="•"/>
+            </a:pPr>
+            <a:r>
+              <a:rPr lang="en-US" dirty="0"/>
+              <a:t>Add item</a:t>
+            </a:r>
+          </a:p>
+          <a:p>
+            <a:pPr>
+              <a:buFont typeface="Arial" panose="020B0604020202020204" pitchFamily="34" charset="0"/>
+              <a:buChar char="•"/>
+            </a:pPr>
+            <a:endParaRPr lang="id-ID" dirty="0"/>
           </a:p>
         </p:txBody>
       </p:sp>
     </p:spTree>
     <p:extLst>
       <p:ext uri="{BB962C8B-B14F-4D97-AF65-F5344CB8AC3E}">
-        <p14:creationId xmlns:p14="http://schemas.microsoft.com/office/powerpoint/2010/main" val="3235166481"/>
+        <p14:creationId xmlns:p14="http://schemas.microsoft.com/office/powerpoint/2010/main" val="1332939345"/>
+      </p:ext>
+    </p:extLst>
+  </p:cSld>
+  <p:clrMapOvr>
+    <a:masterClrMapping/>
+  </p:clrMapOvr>
+</p:sld>
+</file>
+
+<file path=ppt/slides/slide5.xml><?xml version="1.0" encoding="utf-8"?>
+<p:sld xmlns:a="http://schemas.openxmlformats.org/drawingml/2006/main" xmlns:r="http://schemas.openxmlformats.org/officeDocument/2006/relationships" xmlns:p="http://schemas.openxmlformats.org/presentationml/2006/main">
+  <p:cSld>
+    <p:spTree>
+      <p:nvGrpSpPr>
+        <p:cNvPr id="1" name=""/>
+        <p:cNvGrpSpPr/>
+        <p:nvPr/>
+      </p:nvGrpSpPr>
+      <p:grpSpPr>
+        <a:xfrm>
+          <a:off x="0" y="0"/>
+          <a:ext cx="0" cy="0"/>
+          <a:chOff x="0" y="0"/>
+          <a:chExt cx="0" cy="0"/>
+        </a:xfrm>
+      </p:grpSpPr>
+      <p:sp>
+        <p:nvSpPr>
+          <p:cNvPr id="2" name="Title 1">
+            <a:extLst>
+              <a:ext uri="{FF2B5EF4-FFF2-40B4-BE49-F238E27FC236}">
+                <a16:creationId xmlns:a16="http://schemas.microsoft.com/office/drawing/2014/main" id="{D5B5978F-CB20-4E87-AC07-1AA846639C17}"/>
+              </a:ext>
+            </a:extLst>
+          </p:cNvPr>
+          <p:cNvSpPr>
+            <a:spLocks noGrp="1"/>
+          </p:cNvSpPr>
+          <p:nvPr>
+            <p:ph type="title"/>
+          </p:nvPr>
+        </p:nvSpPr>
+        <p:spPr/>
+        <p:txBody>
+          <a:bodyPr/>
+          <a:lstStyle/>
+          <a:p>
+            <a:endParaRPr lang="id-ID"/>
+          </a:p>
+        </p:txBody>
+      </p:sp>
+      <p:sp>
+        <p:nvSpPr>
+          <p:cNvPr id="3" name="Content Placeholder 2">
+            <a:extLst>
+              <a:ext uri="{FF2B5EF4-FFF2-40B4-BE49-F238E27FC236}">
+                <a16:creationId xmlns:a16="http://schemas.microsoft.com/office/drawing/2014/main" id="{908467F2-8AD3-4528-BCD2-31ACB22B32EA}"/>
+              </a:ext>
+            </a:extLst>
+          </p:cNvPr>
+          <p:cNvSpPr>
+            <a:spLocks noGrp="1"/>
+          </p:cNvSpPr>
+          <p:nvPr>
+            <p:ph idx="1"/>
+          </p:nvPr>
+        </p:nvSpPr>
+        <p:spPr>
+          <a:xfrm>
+            <a:off x="4800600" y="2918861"/>
+            <a:ext cx="6492240" cy="883118"/>
+          </a:xfrm>
+        </p:spPr>
+        <p:txBody>
+          <a:bodyPr>
+            <a:normAutofit lnSpcReduction="10000"/>
+          </a:bodyPr>
+          <a:lstStyle/>
+          <a:p>
+            <a:r>
+              <a:rPr lang="en-US" sz="6000" dirty="0"/>
+              <a:t>FEATURE DEMO</a:t>
+            </a:r>
+            <a:endParaRPr lang="id-ID" sz="6000" dirty="0"/>
+          </a:p>
+        </p:txBody>
+      </p:sp>
+      <p:sp>
+        <p:nvSpPr>
+          <p:cNvPr id="4" name="Text Placeholder 3">
+            <a:extLst>
+              <a:ext uri="{FF2B5EF4-FFF2-40B4-BE49-F238E27FC236}">
+                <a16:creationId xmlns:a16="http://schemas.microsoft.com/office/drawing/2014/main" id="{5E517BE4-5DE7-4C0D-9AD1-BE0CFA7FD1C5}"/>
+              </a:ext>
+            </a:extLst>
+          </p:cNvPr>
+          <p:cNvSpPr>
+            <a:spLocks noGrp="1"/>
+          </p:cNvSpPr>
+          <p:nvPr>
+            <p:ph type="body" sz="half" idx="2"/>
+          </p:nvPr>
+        </p:nvSpPr>
+        <p:spPr/>
+        <p:txBody>
+          <a:bodyPr/>
+          <a:lstStyle/>
+          <a:p>
+            <a:endParaRPr lang="id-ID"/>
+          </a:p>
+        </p:txBody>
+      </p:sp>
+    </p:spTree>
+    <p:extLst>
+      <p:ext uri="{BB962C8B-B14F-4D97-AF65-F5344CB8AC3E}">
+        <p14:creationId xmlns:p14="http://schemas.microsoft.com/office/powerpoint/2010/main" val="2166899888"/>
+      </p:ext>
+    </p:extLst>
+  </p:cSld>
+  <p:clrMapOvr>
+    <a:masterClrMapping/>
+  </p:clrMapOvr>
+</p:sld>
+</file>
+
+<file path=ppt/slides/slide6.xml><?xml version="1.0" encoding="utf-8"?>
+<p:sld xmlns:a="http://schemas.openxmlformats.org/drawingml/2006/main" xmlns:r="http://schemas.openxmlformats.org/officeDocument/2006/relationships" xmlns:p="http://schemas.openxmlformats.org/presentationml/2006/main">
+  <p:cSld>
+    <p:spTree>
+      <p:nvGrpSpPr>
+        <p:cNvPr id="1" name=""/>
+        <p:cNvGrpSpPr/>
+        <p:nvPr/>
+      </p:nvGrpSpPr>
+      <p:grpSpPr>
+        <a:xfrm>
+          <a:off x="0" y="0"/>
+          <a:ext cx="0" cy="0"/>
+          <a:chOff x="0" y="0"/>
+          <a:chExt cx="0" cy="0"/>
+        </a:xfrm>
+      </p:grpSpPr>
+      <p:sp>
+        <p:nvSpPr>
+          <p:cNvPr id="2" name="Title 1">
+            <a:extLst>
+              <a:ext uri="{FF2B5EF4-FFF2-40B4-BE49-F238E27FC236}">
+                <a16:creationId xmlns:a16="http://schemas.microsoft.com/office/drawing/2014/main" id="{FD711686-5985-4514-ADE8-E0EEFBBA39B6}"/>
+              </a:ext>
+            </a:extLst>
+          </p:cNvPr>
+          <p:cNvSpPr>
+            <a:spLocks noGrp="1"/>
+          </p:cNvSpPr>
+          <p:nvPr>
+            <p:ph type="title"/>
+          </p:nvPr>
+        </p:nvSpPr>
+        <p:spPr/>
+        <p:txBody>
+          <a:bodyPr/>
+          <a:lstStyle/>
+          <a:p>
+            <a:r>
+              <a:rPr lang="en-US" dirty="0"/>
+              <a:t>ROOM FOR IMPROVEMENT</a:t>
+            </a:r>
+            <a:endParaRPr lang="id-ID" dirty="0"/>
+          </a:p>
+        </p:txBody>
+      </p:sp>
+      <p:sp>
+        <p:nvSpPr>
+          <p:cNvPr id="3" name="Content Placeholder 2">
+            <a:extLst>
+              <a:ext uri="{FF2B5EF4-FFF2-40B4-BE49-F238E27FC236}">
+                <a16:creationId xmlns:a16="http://schemas.microsoft.com/office/drawing/2014/main" id="{15C44B78-47A9-4DDF-A24E-5587647D0E37}"/>
+              </a:ext>
+            </a:extLst>
+          </p:cNvPr>
+          <p:cNvSpPr>
+            <a:spLocks noGrp="1"/>
+          </p:cNvSpPr>
+          <p:nvPr>
+            <p:ph idx="1"/>
+          </p:nvPr>
+        </p:nvSpPr>
+        <p:spPr/>
+        <p:txBody>
+          <a:bodyPr/>
+          <a:lstStyle/>
+          <a:p>
+            <a:pPr>
+              <a:buFont typeface="Arial" panose="020B0604020202020204" pitchFamily="34" charset="0"/>
+              <a:buChar char="•"/>
+            </a:pPr>
+            <a:r>
+              <a:rPr lang="en-US" dirty="0"/>
+              <a:t>Forgot password send through e-mail</a:t>
+            </a:r>
+          </a:p>
+          <a:p>
+            <a:pPr>
+              <a:buFont typeface="Arial" panose="020B0604020202020204" pitchFamily="34" charset="0"/>
+              <a:buChar char="•"/>
+            </a:pPr>
+            <a:r>
+              <a:rPr lang="en-US" dirty="0"/>
+              <a:t>Delete product in Inventory</a:t>
+            </a:r>
+          </a:p>
+          <a:p>
+            <a:pPr>
+              <a:buFont typeface="Arial" panose="020B0604020202020204" pitchFamily="34" charset="0"/>
+              <a:buChar char="•"/>
+            </a:pPr>
+            <a:r>
+              <a:rPr lang="en-US" dirty="0"/>
+              <a:t>Admin login from backdoor page (type only)</a:t>
+            </a:r>
+          </a:p>
+        </p:txBody>
+      </p:sp>
+    </p:spTree>
+    <p:extLst>
+      <p:ext uri="{BB962C8B-B14F-4D97-AF65-F5344CB8AC3E}">
+        <p14:creationId xmlns:p14="http://schemas.microsoft.com/office/powerpoint/2010/main" val="298915267"/>
       </p:ext>
     </p:extLst>
   </p:cSld>
@@ -3780,9 +4742,9 @@
 </file>
 
 <file path=ppt/theme/theme1.xml><?xml version="1.0" encoding="utf-8"?>
-<a:theme xmlns:a="http://schemas.openxmlformats.org/drawingml/2006/main" name="Office Theme">
+<a:theme xmlns:a="http://schemas.openxmlformats.org/drawingml/2006/main" name="Retrospect">
   <a:themeElements>
-    <a:clrScheme name="Office">
+    <a:clrScheme name="Retrospect">
       <a:dk1>
         <a:sysClr val="windowText" lastClr="000000"/>
       </a:dk1>
@@ -3790,44 +4752,44 @@
         <a:sysClr val="window" lastClr="FFFFFF"/>
       </a:lt1>
       <a:dk2>
-        <a:srgbClr val="44546A"/>
+        <a:srgbClr val="344068"/>
       </a:dk2>
       <a:lt2>
-        <a:srgbClr val="E7E6E6"/>
+        <a:srgbClr val="D9E0E6"/>
       </a:lt2>
       <a:accent1>
-        <a:srgbClr val="4472C4"/>
+        <a:srgbClr val="1CADE4"/>
       </a:accent1>
       <a:accent2>
-        <a:srgbClr val="ED7D31"/>
+        <a:srgbClr val="2683C6"/>
       </a:accent2>
       <a:accent3>
-        <a:srgbClr val="A5A5A5"/>
+        <a:srgbClr val="28C4CC"/>
       </a:accent3>
       <a:accent4>
-        <a:srgbClr val="FFC000"/>
+        <a:srgbClr val="42BA97"/>
       </a:accent4>
       <a:accent5>
-        <a:srgbClr val="5B9BD5"/>
+        <a:srgbClr val="3E8853"/>
       </a:accent5>
       <a:accent6>
-        <a:srgbClr val="70AD47"/>
+        <a:srgbClr val="62A39F"/>
       </a:accent6>
       <a:hlink>
-        <a:srgbClr val="0563C1"/>
+        <a:srgbClr val="6EAC1C"/>
       </a:hlink>
       <a:folHlink>
-        <a:srgbClr val="954F72"/>
+        <a:srgbClr val="B26B02"/>
       </a:folHlink>
     </a:clrScheme>
-    <a:fontScheme name="Office">
+    <a:fontScheme name="Retrospect">
       <a:majorFont>
         <a:latin typeface="Calibri Light" panose="020F0302020204030204"/>
         <a:ea typeface=""/>
         <a:cs typeface=""/>
-        <a:font script="Jpan" typeface="游ゴシック Light"/>
+        <a:font script="Jpan" typeface="ＭＳ Ｐゴシック"/>
         <a:font script="Hang" typeface="맑은 고딕"/>
-        <a:font script="Hans" typeface="等线 Light"/>
+        <a:font script="Hans" typeface="宋体"/>
         <a:font script="Hant" typeface="新細明體"/>
         <a:font script="Arab" typeface="Times New Roman"/>
         <a:font script="Hebr" typeface="Times New Roman"/>
@@ -3855,31 +4817,14 @@
         <a:font script="Viet" typeface="Times New Roman"/>
         <a:font script="Uigh" typeface="Microsoft Uighur"/>
         <a:font script="Geor" typeface="Sylfaen"/>
-        <a:font script="Armn" typeface="Arial"/>
-        <a:font script="Bugi" typeface="Leelawadee UI"/>
-        <a:font script="Bopo" typeface="Microsoft JhengHei"/>
-        <a:font script="Java" typeface="Javanese Text"/>
-        <a:font script="Lisu" typeface="Segoe UI"/>
-        <a:font script="Mymr" typeface="Myanmar Text"/>
-        <a:font script="Nkoo" typeface="Ebrima"/>
-        <a:font script="Olck" typeface="Nirmala UI"/>
-        <a:font script="Osma" typeface="Ebrima"/>
-        <a:font script="Phag" typeface="Phagspa"/>
-        <a:font script="Syrn" typeface="Estrangelo Edessa"/>
-        <a:font script="Syrj" typeface="Estrangelo Edessa"/>
-        <a:font script="Syre" typeface="Estrangelo Edessa"/>
-        <a:font script="Sora" typeface="Nirmala UI"/>
-        <a:font script="Tale" typeface="Microsoft Tai Le"/>
-        <a:font script="Talu" typeface="Microsoft New Tai Lue"/>
-        <a:font script="Tfng" typeface="Ebrima"/>
       </a:majorFont>
       <a:minorFont>
         <a:latin typeface="Calibri" panose="020F0502020204030204"/>
         <a:ea typeface=""/>
         <a:cs typeface=""/>
-        <a:font script="Jpan" typeface="游ゴシック"/>
+        <a:font script="Jpan" typeface="ＭＳ Ｐゴシック"/>
         <a:font script="Hang" typeface="맑은 고딕"/>
-        <a:font script="Hans" typeface="等线"/>
+        <a:font script="Hans" typeface="宋体"/>
         <a:font script="Hant" typeface="新細明體"/>
         <a:font script="Arab" typeface="Arial"/>
         <a:font script="Hebr" typeface="Arial"/>
@@ -3907,26 +4852,9 @@
         <a:font script="Viet" typeface="Arial"/>
         <a:font script="Uigh" typeface="Microsoft Uighur"/>
         <a:font script="Geor" typeface="Sylfaen"/>
-        <a:font script="Armn" typeface="Arial"/>
-        <a:font script="Bugi" typeface="Leelawadee UI"/>
-        <a:font script="Bopo" typeface="Microsoft JhengHei"/>
-        <a:font script="Java" typeface="Javanese Text"/>
-        <a:font script="Lisu" typeface="Segoe UI"/>
-        <a:font script="Mymr" typeface="Myanmar Text"/>
-        <a:font script="Nkoo" typeface="Ebrima"/>
-        <a:font script="Olck" typeface="Nirmala UI"/>
-        <a:font script="Osma" typeface="Ebrima"/>
-        <a:font script="Phag" typeface="Phagspa"/>
-        <a:font script="Syrn" typeface="Estrangelo Edessa"/>
-        <a:font script="Syrj" typeface="Estrangelo Edessa"/>
-        <a:font script="Syre" typeface="Estrangelo Edessa"/>
-        <a:font script="Sora" typeface="Nirmala UI"/>
-        <a:font script="Tale" typeface="Microsoft Tai Le"/>
-        <a:font script="Talu" typeface="Microsoft New Tai Lue"/>
-        <a:font script="Tfng" typeface="Ebrima"/>
       </a:minorFont>
     </a:fontScheme>
-    <a:fmtScheme name="Office">
+    <a:fmtScheme name="Retrospect">
       <a:fillStyleLst>
         <a:solidFill>
           <a:schemeClr val="phClr"/>
@@ -3935,76 +4863,81 @@
           <a:gsLst>
             <a:gs pos="0">
               <a:schemeClr val="phClr">
-                <a:lumMod val="110000"/>
-                <a:satMod val="105000"/>
-                <a:tint val="67000"/>
+                <a:tint val="65000"/>
+                <a:shade val="92000"/>
+                <a:satMod val="130000"/>
               </a:schemeClr>
             </a:gs>
-            <a:gs pos="50000">
+            <a:gs pos="45000">
               <a:schemeClr val="phClr">
-                <a:lumMod val="105000"/>
-                <a:satMod val="103000"/>
-                <a:tint val="73000"/>
+                <a:tint val="60000"/>
+                <a:shade val="99000"/>
+                <a:satMod val="120000"/>
               </a:schemeClr>
             </a:gs>
             <a:gs pos="100000">
               <a:schemeClr val="phClr">
-                <a:lumMod val="105000"/>
-                <a:satMod val="109000"/>
-                <a:tint val="81000"/>
+                <a:tint val="55000"/>
+                <a:satMod val="140000"/>
               </a:schemeClr>
             </a:gs>
           </a:gsLst>
-          <a:lin ang="5400000" scaled="0"/>
+          <a:path path="circle">
+            <a:fillToRect l="100000" t="100000" r="100000" b="100000"/>
+          </a:path>
         </a:gradFill>
         <a:gradFill rotWithShape="1">
           <a:gsLst>
             <a:gs pos="0">
               <a:schemeClr val="phClr">
-                <a:satMod val="103000"/>
-                <a:lumMod val="102000"/>
-                <a:tint val="94000"/>
+                <a:shade val="85000"/>
+                <a:satMod val="130000"/>
               </a:schemeClr>
             </a:gs>
-            <a:gs pos="50000">
+            <a:gs pos="34000">
               <a:schemeClr val="phClr">
-                <a:satMod val="110000"/>
-                <a:lumMod val="100000"/>
-                <a:shade val="100000"/>
+                <a:shade val="87000"/>
+                <a:satMod val="125000"/>
+              </a:schemeClr>
+            </a:gs>
+            <a:gs pos="70000">
+              <a:schemeClr val="phClr">
+                <a:tint val="100000"/>
+                <a:shade val="90000"/>
+                <a:satMod val="130000"/>
               </a:schemeClr>
             </a:gs>
             <a:gs pos="100000">
               <a:schemeClr val="phClr">
-                <a:lumMod val="99000"/>
-                <a:satMod val="120000"/>
-                <a:shade val="78000"/>
+                <a:tint val="100000"/>
+                <a:shade val="100000"/>
+                <a:satMod val="110000"/>
               </a:schemeClr>
             </a:gs>
           </a:gsLst>
-          <a:lin ang="5400000" scaled="0"/>
+          <a:path path="circle">
+            <a:fillToRect l="100000" t="100000" r="100000" b="100000"/>
+          </a:path>
         </a:gradFill>
       </a:fillStyleLst>
       <a:lnStyleLst>
-        <a:ln w="6350" cap="flat" cmpd="sng" algn="ctr">
-          <a:solidFill>
-            <a:schemeClr val="phClr"/>
-          </a:solidFill>
-          <a:prstDash val="solid"/>
-          <a:miter lim="800000"/>
-        </a:ln>
         <a:ln w="12700" cap="flat" cmpd="sng" algn="ctr">
           <a:solidFill>
             <a:schemeClr val="phClr"/>
           </a:solidFill>
           <a:prstDash val="solid"/>
-          <a:miter lim="800000"/>
         </a:ln>
-        <a:ln w="19050" cap="flat" cmpd="sng" algn="ctr">
+        <a:ln w="15875" cap="flat" cmpd="sng" algn="ctr">
           <a:solidFill>
             <a:schemeClr val="phClr"/>
           </a:solidFill>
           <a:prstDash val="solid"/>
-          <a:miter lim="800000"/>
+        </a:ln>
+        <a:ln w="25400" cap="flat" cmpd="sng" algn="ctr">
+          <a:solidFill>
+            <a:schemeClr val="phClr"/>
+          </a:solidFill>
+          <a:prstDash val="solid"/>
         </a:ln>
       </a:lnStyleLst>
       <a:effectStyleLst>
@@ -4012,16 +4945,33 @@
           <a:effectLst/>
         </a:effectStyle>
         <a:effectStyle>
-          <a:effectLst/>
+          <a:effectLst>
+            <a:outerShdw blurRad="38100" dist="25400" dir="2700000" algn="br" rotWithShape="0">
+              <a:srgbClr val="000000">
+                <a:alpha val="60000"/>
+              </a:srgbClr>
+            </a:outerShdw>
+          </a:effectLst>
         </a:effectStyle>
         <a:effectStyle>
           <a:effectLst>
-            <a:outerShdw blurRad="57150" dist="19050" dir="5400000" algn="ctr" rotWithShape="0">
+            <a:outerShdw blurRad="44450" dist="25400" dir="2700000" algn="br" rotWithShape="0">
               <a:srgbClr val="000000">
-                <a:alpha val="63000"/>
+                <a:alpha val="60000"/>
               </a:srgbClr>
             </a:outerShdw>
           </a:effectLst>
+          <a:scene3d>
+            <a:camera prst="orthographicFront">
+              <a:rot lat="0" lon="0" rev="0"/>
+            </a:camera>
+            <a:lightRig rig="threePt" dir="t">
+              <a:rot lat="0" lon="0" rev="19800000"/>
+            </a:lightRig>
+          </a:scene3d>
+          <a:sp3d prstMaterial="flat">
+            <a:bevelT w="25400" h="31750"/>
+          </a:sp3d>
         </a:effectStyle>
       </a:effectStyleLst>
       <a:bgFillStyleLst>
@@ -4030,36 +4980,36 @@
         </a:solidFill>
         <a:solidFill>
           <a:schemeClr val="phClr">
-            <a:tint val="95000"/>
-            <a:satMod val="170000"/>
+            <a:tint val="90000"/>
+            <a:shade val="97000"/>
+            <a:satMod val="130000"/>
           </a:schemeClr>
         </a:solidFill>
         <a:gradFill rotWithShape="1">
           <a:gsLst>
             <a:gs pos="0">
               <a:schemeClr val="phClr">
-                <a:tint val="93000"/>
-                <a:satMod val="150000"/>
-                <a:shade val="98000"/>
-                <a:lumMod val="102000"/>
+                <a:tint val="96000"/>
+                <a:shade val="99000"/>
+                <a:satMod val="140000"/>
               </a:schemeClr>
             </a:gs>
-            <a:gs pos="50000">
+            <a:gs pos="65000">
               <a:schemeClr val="phClr">
-                <a:tint val="98000"/>
+                <a:tint val="100000"/>
+                <a:shade val="80000"/>
                 <a:satMod val="130000"/>
-                <a:shade val="90000"/>
-                <a:lumMod val="103000"/>
               </a:schemeClr>
             </a:gs>
             <a:gs pos="100000">
               <a:schemeClr val="phClr">
-                <a:shade val="63000"/>
+                <a:tint val="100000"/>
+                <a:shade val="48000"/>
                 <a:satMod val="120000"/>
               </a:schemeClr>
             </a:gs>
           </a:gsLst>
-          <a:lin ang="5400000" scaled="0"/>
+          <a:lin ang="16200000" scaled="0"/>
         </a:gradFill>
       </a:bgFillStyleLst>
     </a:fmtScheme>
@@ -4068,7 +5018,7 @@
   <a:extraClrSchemeLst/>
   <a:extLst>
     <a:ext uri="{05A4C25C-085E-4340-85A3-A5531E510DB2}">
-      <thm15:themeFamily xmlns:thm15="http://schemas.microsoft.com/office/thememl/2012/main" name="Office Theme" id="{62F939B6-93AF-4DB8-9C6B-D6C7DFDC589F}" vid="{4A3C46E8-61CC-4603-A589-7422A47A8E4A}"/>
+      <thm15:themeFamily xmlns:thm15="http://schemas.microsoft.com/office/thememl/2012/main" name="Retrospect" id="{5F128B03-DCCA-4EEB-AB3B-CF2899314A46}" vid="{9CC26709-368C-4D72-9060-94E5B3FF3CD6}"/>
     </a:ext>
   </a:extLst>
 </a:theme>

--- a/PP SE.pptx
+++ b/PP SE.pptx
@@ -4265,7 +4265,7 @@
           <a:p>
             <a:r>
               <a:rPr lang="en-US" dirty="0" err="1"/>
-              <a:t>Deven</a:t>
+              <a:t>Devent</a:t>
             </a:r>
             <a:r>
               <a:rPr lang="en-US" dirty="0"/>
@@ -4497,6 +4497,16 @@
               <a:buFont typeface="Arial" panose="020B0604020202020204" pitchFamily="34" charset="0"/>
               <a:buChar char="•"/>
             </a:pPr>
+            <a:r>
+              <a:rPr lang="en-US" dirty="0"/>
+              <a:t>Display item database</a:t>
+            </a:r>
+          </a:p>
+          <a:p>
+            <a:pPr>
+              <a:buFont typeface="Arial" panose="020B0604020202020204" pitchFamily="34" charset="0"/>
+              <a:buChar char="•"/>
+            </a:pPr>
             <a:endParaRPr lang="id-ID" dirty="0"/>
           </a:p>
         </p:txBody>
@@ -4714,6 +4724,16 @@
             <a:r>
               <a:rPr lang="en-US" dirty="0"/>
               <a:t>Delete product in Inventory</a:t>
+            </a:r>
+          </a:p>
+          <a:p>
+            <a:pPr>
+              <a:buFont typeface="Arial" panose="020B0604020202020204" pitchFamily="34" charset="0"/>
+              <a:buChar char="•"/>
+            </a:pPr>
+            <a:r>
+              <a:rPr lang="en-US" dirty="0"/>
+              <a:t>Add image for products</a:t>
             </a:r>
           </a:p>
           <a:p>

--- a/PP SE.pptx
+++ b/PP SE.pptx
@@ -11,6 +11,7 @@
     <p:sldId id="259" r:id="rId5"/>
     <p:sldId id="261" r:id="rId6"/>
     <p:sldId id="260" r:id="rId7"/>
+    <p:sldId id="263" r:id="rId8"/>
   </p:sldIdLst>
   <p:sldSz cx="12192000" cy="6858000"/>
   <p:notesSz cx="6858000" cy="9144000"/>
@@ -4761,6 +4762,95 @@
 </p:sld>
 </file>
 
+<file path=ppt/slides/slide7.xml><?xml version="1.0" encoding="utf-8"?>
+<p:sld xmlns:a="http://schemas.openxmlformats.org/drawingml/2006/main" xmlns:r="http://schemas.openxmlformats.org/officeDocument/2006/relationships" xmlns:p="http://schemas.openxmlformats.org/presentationml/2006/main">
+  <p:cSld>
+    <p:spTree>
+      <p:nvGrpSpPr>
+        <p:cNvPr id="1" name=""/>
+        <p:cNvGrpSpPr/>
+        <p:nvPr/>
+      </p:nvGrpSpPr>
+      <p:grpSpPr>
+        <a:xfrm>
+          <a:off x="0" y="0"/>
+          <a:ext cx="0" cy="0"/>
+          <a:chOff x="0" y="0"/>
+          <a:chExt cx="0" cy="0"/>
+        </a:xfrm>
+      </p:grpSpPr>
+      <p:sp>
+        <p:nvSpPr>
+          <p:cNvPr id="2" name="Title 1">
+            <a:extLst>
+              <a:ext uri="{FF2B5EF4-FFF2-40B4-BE49-F238E27FC236}">
+                <a16:creationId xmlns:a16="http://schemas.microsoft.com/office/drawing/2014/main" id="{F12ABE0D-CA39-455A-90BC-CBF60512F39C}"/>
+              </a:ext>
+            </a:extLst>
+          </p:cNvPr>
+          <p:cNvSpPr txBox="1">
+            <a:spLocks/>
+          </p:cNvSpPr>
+          <p:nvPr/>
+        </p:nvSpPr>
+        <p:spPr>
+          <a:xfrm>
+            <a:off x="1066800" y="2703621"/>
+            <a:ext cx="10058400" cy="1450757"/>
+          </a:xfrm>
+          <a:prstGeom prst="rect">
+            <a:avLst/>
+          </a:prstGeom>
+        </p:spPr>
+        <p:txBody>
+          <a:bodyPr>
+            <a:normAutofit/>
+          </a:bodyPr>
+          <a:lstStyle>
+            <a:lvl1pPr algn="l" defTabSz="914400" rtl="0" eaLnBrk="1" latinLnBrk="0" hangingPunct="1">
+              <a:lnSpc>
+                <a:spcPct val="85000"/>
+              </a:lnSpc>
+              <a:spcBef>
+                <a:spcPct val="0"/>
+              </a:spcBef>
+              <a:buNone/>
+              <a:defRPr sz="4800" kern="1200" spc="-50" baseline="0">
+                <a:solidFill>
+                  <a:schemeClr val="tx1">
+                    <a:lumMod val="75000"/>
+                    <a:lumOff val="25000"/>
+                  </a:schemeClr>
+                </a:solidFill>
+                <a:latin typeface="+mj-lt"/>
+                <a:ea typeface="+mj-ea"/>
+                <a:cs typeface="+mj-cs"/>
+              </a:defRPr>
+            </a:lvl1pPr>
+          </a:lstStyle>
+          <a:p>
+            <a:pPr algn="ctr"/>
+            <a:r>
+              <a:rPr lang="en-US" sz="7200"/>
+              <a:t>THANK YOU</a:t>
+            </a:r>
+            <a:endParaRPr lang="id-ID" sz="7200" dirty="0"/>
+          </a:p>
+        </p:txBody>
+      </p:sp>
+    </p:spTree>
+    <p:extLst>
+      <p:ext uri="{BB962C8B-B14F-4D97-AF65-F5344CB8AC3E}">
+        <p14:creationId xmlns:p14="http://schemas.microsoft.com/office/powerpoint/2010/main" val="1222561836"/>
+      </p:ext>
+    </p:extLst>
+  </p:cSld>
+  <p:clrMapOvr>
+    <a:masterClrMapping/>
+  </p:clrMapOvr>
+</p:sld>
+</file>
+
 <file path=ppt/theme/theme1.xml><?xml version="1.0" encoding="utf-8"?>
 <a:theme xmlns:a="http://schemas.openxmlformats.org/drawingml/2006/main" name="Retrospect">
   <a:themeElements>
